--- a/Docker - 02 - Manipulating Containers.pptx
+++ b/Docker - 02 - Manipulating Containers.pptx
@@ -28,40 +28,27 @@
     <p:sldId id="408" r:id="rId21"/>
     <p:sldId id="409" r:id="rId22"/>
     <p:sldId id="410" r:id="rId23"/>
-    <p:sldId id="347" r:id="rId24"/>
-    <p:sldId id="319" r:id="rId25"/>
-    <p:sldId id="320" r:id="rId26"/>
-    <p:sldId id="321" r:id="rId27"/>
-    <p:sldId id="322" r:id="rId28"/>
-    <p:sldId id="323" r:id="rId29"/>
-    <p:sldId id="324" r:id="rId30"/>
-    <p:sldId id="325" r:id="rId31"/>
-    <p:sldId id="328" r:id="rId32"/>
-    <p:sldId id="331" r:id="rId33"/>
-    <p:sldId id="332" r:id="rId34"/>
-    <p:sldId id="333" r:id="rId35"/>
-    <p:sldId id="335" r:id="rId36"/>
-    <p:sldId id="334" r:id="rId37"/>
-    <p:sldId id="336" r:id="rId38"/>
-    <p:sldId id="337" r:id="rId39"/>
-    <p:sldId id="338" r:id="rId40"/>
-    <p:sldId id="339" r:id="rId41"/>
-    <p:sldId id="340" r:id="rId42"/>
-    <p:sldId id="341" r:id="rId43"/>
-    <p:sldId id="342" r:id="rId44"/>
-    <p:sldId id="343" r:id="rId45"/>
-    <p:sldId id="304" r:id="rId46"/>
+    <p:sldId id="434" r:id="rId24"/>
+    <p:sldId id="435" r:id="rId25"/>
+    <p:sldId id="436" r:id="rId26"/>
+    <p:sldId id="437" r:id="rId27"/>
+    <p:sldId id="440" r:id="rId28"/>
+    <p:sldId id="438" r:id="rId29"/>
+    <p:sldId id="439" r:id="rId30"/>
+    <p:sldId id="441" r:id="rId31"/>
+    <p:sldId id="442" r:id="rId32"/>
+    <p:sldId id="304" r:id="rId33"/>
   </p:sldIdLst>
   <p:sldSz cx="9144000" cy="5143500"/>
   <p:notesSz cx="6858000" cy="9144000"/>
   <p:embeddedFontLst>
     <p:embeddedFont>
       <p:font typeface="PT Sans Narrow" panose="020B0506020203020204"/>
-      <p:regular r:id="rId50"/>
+      <p:regular r:id="rId37"/>
     </p:embeddedFont>
     <p:embeddedFont>
       <p:font typeface="Open Sans" panose="020B0306030504020204"/>
-      <p:regular r:id="rId51"/>
+      <p:regular r:id="rId38"/>
     </p:embeddedFont>
   </p:embeddedFontLst>
   <p:defaultTextStyle>
@@ -2608,6 +2595,7 @@
               </a:spcAft>
               <a:buNone/>
             </a:pPr>
+            <a:endParaRPr lang="en-US"/>
           </a:p>
         </p:txBody>
       </p:sp>
@@ -2707,6 +2695,7 @@
               </a:spcAft>
               <a:buNone/>
             </a:pPr>
+            <a:endParaRPr lang="en-US"/>
           </a:p>
         </p:txBody>
       </p:sp>
@@ -2806,6 +2795,7 @@
               </a:spcAft>
               <a:buNone/>
             </a:pPr>
+            <a:endParaRPr lang="en-US"/>
           </a:p>
         </p:txBody>
       </p:sp>
@@ -2905,6 +2895,27 @@
               </a:spcAft>
               <a:buNone/>
             </a:pPr>
+            <a:r>
+              <a:rPr lang="en-US"/>
+              <a:t>When you run a docker in your local machine, every single container that you are running is running inside of a virtual machine running Linux</a:t>
+            </a:r>
+            <a:endParaRPr lang="en-US"/>
+          </a:p>
+          <a:p>
+            <a:pPr marL="0" lvl="0" indent="0" algn="l" rtl="0">
+              <a:spcBef>
+                <a:spcPts val="0"/>
+              </a:spcBef>
+              <a:spcAft>
+                <a:spcPts val="0"/>
+              </a:spcAft>
+              <a:buNone/>
+            </a:pPr>
+            <a:r>
+              <a:rPr lang="en-US"/>
+              <a:t>So these process are really being executed inside of a Linux world, even if you are on Mac or Windows</a:t>
+            </a:r>
+            <a:endParaRPr lang="en-US"/>
           </a:p>
         </p:txBody>
       </p:sp>
@@ -3004,6 +3015,11 @@
               </a:spcAft>
               <a:buNone/>
             </a:pPr>
+            <a:r>
+              <a:rPr lang="en-US"/>
+              <a:t>STDERR: communicate to other outside invironment and return the data and show on the terminal</a:t>
+            </a:r>
+            <a:endParaRPr lang="en-US"/>
           </a:p>
         </p:txBody>
       </p:sp>
@@ -3103,6 +3119,7 @@
               </a:spcAft>
               <a:buNone/>
             </a:pPr>
+            <a:endParaRPr lang="en-US"/>
           </a:p>
         </p:txBody>
       </p:sp>
@@ -3202,6 +3219,7 @@
               </a:spcAft>
               <a:buNone/>
             </a:pPr>
+            <a:endParaRPr lang="en-US"/>
           </a:p>
         </p:txBody>
       </p:sp>
@@ -3301,6 +3319,7 @@
               </a:spcAft>
               <a:buNone/>
             </a:pPr>
+            <a:endParaRPr lang="en-US"/>
           </a:p>
         </p:txBody>
       </p:sp>
@@ -3400,6 +3419,11 @@
               </a:spcAft>
               <a:buNone/>
             </a:pPr>
+            <a:r>
+              <a:rPr lang="en-US"/>
+              <a:t>run two commands are the same to check its container are shared folder or not</a:t>
+            </a:r>
+            <a:endParaRPr lang="en-US"/>
           </a:p>
         </p:txBody>
       </p:sp>
@@ -3515,7 +3539,7 @@
   <p:cSld>
     <p:spTree>
       <p:nvGrpSpPr>
-        <p:cNvPr id="74" name="Shape 74"/>
+        <p:cNvPr id="447" name="Shape 447"/>
         <p:cNvGrpSpPr/>
         <p:nvPr/>
       </p:nvGrpSpPr>
@@ -3529,7 +3553,7 @@
       </p:grpSpPr>
       <p:sp>
         <p:nvSpPr>
-          <p:cNvPr id="75" name="Google Shape;75;gcad7496ea3_0_0:notes"/>
+          <p:cNvPr id="448" name="Google Shape;448;gcb89376c82_0_37:notes"/>
           <p:cNvSpPr/>
           <p:nvPr>
             <p:ph type="sldImg" idx="2"/>
@@ -3568,7 +3592,7 @@
       </p:sp>
       <p:sp>
         <p:nvSpPr>
-          <p:cNvPr id="76" name="Google Shape;76;gcad7496ea3_0_0:notes"/>
+          <p:cNvPr id="449" name="Google Shape;449;gcb89376c82_0_37:notes"/>
           <p:cNvSpPr txBox="1"/>
           <p:nvPr>
             <p:ph type="body" idx="1"/>
@@ -3598,1123 +3622,6 @@
               </a:spcAft>
               <a:buNone/>
             </a:pPr>
-            <a:r>
-              <a:rPr lang="en-US"/>
-              <a:t>docker run hello-world </a:t>
-            </a:r>
-            <a:endParaRPr lang="en-US"/>
-          </a:p>
-          <a:p>
-            <a:pPr marL="0" lvl="0" indent="0" algn="l" rtl="0">
-              <a:spcBef>
-                <a:spcPts val="0"/>
-              </a:spcBef>
-              <a:spcAft>
-                <a:spcPts val="0"/>
-              </a:spcAft>
-              <a:buNone/>
-            </a:pPr>
-            <a:r>
-              <a:rPr lang="en-US"/>
-              <a:t>That mean we want to starts up a new container with the name hello-world</a:t>
-            </a:r>
-            <a:endParaRPr lang="en-US"/>
-          </a:p>
-          <a:p>
-            <a:pPr marL="0" lvl="0" indent="0" algn="l" rtl="0">
-              <a:spcBef>
-                <a:spcPts val="0"/>
-              </a:spcBef>
-              <a:spcAft>
-                <a:spcPts val="0"/>
-              </a:spcAft>
-              <a:buNone/>
-            </a:pPr>
-            <a:r>
-              <a:rPr lang="en-US"/>
-              <a:t>Docker Client communicate to Docker Server</a:t>
-            </a:r>
-            <a:endParaRPr lang="en-US"/>
-          </a:p>
-          <a:p>
-            <a:pPr marL="0" lvl="0" indent="0" algn="l" rtl="0">
-              <a:spcBef>
-                <a:spcPts val="0"/>
-              </a:spcBef>
-              <a:spcAft>
-                <a:spcPts val="0"/>
-              </a:spcAft>
-              <a:buNone/>
-            </a:pPr>
-            <a:r>
-              <a:rPr lang="en-US"/>
-              <a:t>If the Docker Server found a hello-world container from Images Cache, It will execute it.</a:t>
-            </a:r>
-            <a:endParaRPr lang="en-US"/>
-          </a:p>
-          <a:p>
-            <a:pPr marL="0" lvl="0" indent="0" algn="l" rtl="0">
-              <a:spcBef>
-                <a:spcPts val="0"/>
-              </a:spcBef>
-              <a:spcAft>
-                <a:spcPts val="0"/>
-              </a:spcAft>
-              <a:buNone/>
-            </a:pPr>
-            <a:r>
-              <a:rPr lang="en-US"/>
-              <a:t>If not, It will call to Docker Hub to find hello-world image.</a:t>
-            </a:r>
-            <a:endParaRPr lang="en-US"/>
-          </a:p>
-          <a:p>
-            <a:pPr marL="0" lvl="0" indent="0" algn="l" rtl="0">
-              <a:spcBef>
-                <a:spcPts val="0"/>
-              </a:spcBef>
-              <a:spcAft>
-                <a:spcPts val="0"/>
-              </a:spcAft>
-              <a:buNone/>
-            </a:pPr>
-            <a:r>
-              <a:rPr lang="en-US"/>
-              <a:t>If exists, that image will be downloaded to Images Cache on local machine and run it.</a:t>
-            </a:r>
-            <a:endParaRPr lang="en-US"/>
-          </a:p>
-          <a:p>
-            <a:pPr marL="0" lvl="0" indent="0" algn="l" rtl="0">
-              <a:spcBef>
-                <a:spcPts val="0"/>
-              </a:spcBef>
-              <a:spcAft>
-                <a:spcPts val="0"/>
-              </a:spcAft>
-              <a:buNone/>
-            </a:pPr>
-            <a:endParaRPr lang="en-US"/>
-          </a:p>
-          <a:p>
-            <a:pPr marL="0" lvl="0" indent="0" algn="l" rtl="0">
-              <a:spcBef>
-                <a:spcPts val="0"/>
-              </a:spcBef>
-              <a:spcAft>
-                <a:spcPts val="0"/>
-              </a:spcAft>
-              <a:buNone/>
-            </a:pPr>
-            <a:endParaRPr lang="en-US"/>
-          </a:p>
-        </p:txBody>
-      </p:sp>
-    </p:spTree>
-  </p:cSld>
-  <p:clrMapOvr>
-    <a:masterClrMapping/>
-  </p:clrMapOvr>
-</p:notes>
-</file>
-
-<file path=ppt/notesSlides/notesSlide31.xml><?xml version="1.0" encoding="utf-8"?>
-<p:notes xmlns:a="http://schemas.openxmlformats.org/drawingml/2006/main" xmlns:r="http://schemas.openxmlformats.org/officeDocument/2006/relationships" xmlns:p="http://schemas.openxmlformats.org/presentationml/2006/main" showMasterPhAnim="0" showMasterSp="0">
-  <p:cSld>
-    <p:spTree>
-      <p:nvGrpSpPr>
-        <p:cNvPr id="74" name="Shape 74"/>
-        <p:cNvGrpSpPr/>
-        <p:nvPr/>
-      </p:nvGrpSpPr>
-      <p:grpSpPr>
-        <a:xfrm>
-          <a:off x="0" y="0"/>
-          <a:ext cx="0" cy="0"/>
-          <a:chOff x="0" y="0"/>
-          <a:chExt cx="0" cy="0"/>
-        </a:xfrm>
-      </p:grpSpPr>
-      <p:sp>
-        <p:nvSpPr>
-          <p:cNvPr id="75" name="Google Shape;75;gcad7496ea3_0_0:notes"/>
-          <p:cNvSpPr/>
-          <p:nvPr>
-            <p:ph type="sldImg" idx="2"/>
-          </p:nvPr>
-        </p:nvSpPr>
-        <p:spPr>
-          <a:xfrm>
-            <a:off x="381300" y="685800"/>
-            <a:ext cx="6096000" cy="3429000"/>
-          </a:xfrm>
-          <a:custGeom>
-            <a:avLst/>
-            <a:gdLst/>
-            <a:ahLst/>
-            <a:cxnLst/>
-            <a:rect l="l" t="t" r="r" b="b"/>
-            <a:pathLst>
-              <a:path w="120000" h="120000" extrusionOk="0">
-                <a:moveTo>
-                  <a:pt x="0" y="0"/>
-                </a:moveTo>
-                <a:lnTo>
-                  <a:pt x="120000" y="0"/>
-                </a:lnTo>
-                <a:lnTo>
-                  <a:pt x="120000" y="120000"/>
-                </a:lnTo>
-                <a:lnTo>
-                  <a:pt x="0" y="120000"/>
-                </a:lnTo>
-                <a:close/>
-              </a:path>
-            </a:pathLst>
-          </a:custGeom>
-        </p:spPr>
-      </p:sp>
-      <p:sp>
-        <p:nvSpPr>
-          <p:cNvPr id="76" name="Google Shape;76;gcad7496ea3_0_0:notes"/>
-          <p:cNvSpPr txBox="1"/>
-          <p:nvPr>
-            <p:ph type="body" idx="1"/>
-          </p:nvPr>
-        </p:nvSpPr>
-        <p:spPr>
-          <a:xfrm>
-            <a:off x="685800" y="4343400"/>
-            <a:ext cx="5486400" cy="4114800"/>
-          </a:xfrm>
-          <a:prstGeom prst="rect">
-            <a:avLst/>
-          </a:prstGeom>
-        </p:spPr>
-        <p:txBody>
-          <a:bodyPr spcFirstLastPara="1" wrap="square" lIns="91425" tIns="91425" rIns="91425" bIns="91425" anchor="t" anchorCtr="0">
-            <a:noAutofit/>
-          </a:bodyPr>
-          <a:lstStyle/>
-          <a:p>
-            <a:pPr marL="0" lvl="0" indent="0" algn="l" rtl="0">
-              <a:spcBef>
-                <a:spcPts val="0"/>
-              </a:spcBef>
-              <a:spcAft>
-                <a:spcPts val="0"/>
-              </a:spcAft>
-              <a:buNone/>
-            </a:pPr>
-            <a:endParaRPr lang="en-US"/>
-          </a:p>
-          <a:p>
-            <a:pPr marL="0" lvl="0" indent="0" algn="l" rtl="0">
-              <a:spcBef>
-                <a:spcPts val="0"/>
-              </a:spcBef>
-              <a:spcAft>
-                <a:spcPts val="0"/>
-              </a:spcAft>
-              <a:buNone/>
-            </a:pPr>
-            <a:endParaRPr lang="en-US"/>
-          </a:p>
-        </p:txBody>
-      </p:sp>
-    </p:spTree>
-  </p:cSld>
-  <p:clrMapOvr>
-    <a:masterClrMapping/>
-  </p:clrMapOvr>
-</p:notes>
-</file>
-
-<file path=ppt/notesSlides/notesSlide32.xml><?xml version="1.0" encoding="utf-8"?>
-<p:notes xmlns:a="http://schemas.openxmlformats.org/drawingml/2006/main" xmlns:r="http://schemas.openxmlformats.org/officeDocument/2006/relationships" xmlns:p="http://schemas.openxmlformats.org/presentationml/2006/main" showMasterPhAnim="0" showMasterSp="0">
-  <p:cSld>
-    <p:spTree>
-      <p:nvGrpSpPr>
-        <p:cNvPr id="74" name="Shape 74"/>
-        <p:cNvGrpSpPr/>
-        <p:nvPr/>
-      </p:nvGrpSpPr>
-      <p:grpSpPr>
-        <a:xfrm>
-          <a:off x="0" y="0"/>
-          <a:ext cx="0" cy="0"/>
-          <a:chOff x="0" y="0"/>
-          <a:chExt cx="0" cy="0"/>
-        </a:xfrm>
-      </p:grpSpPr>
-      <p:sp>
-        <p:nvSpPr>
-          <p:cNvPr id="75" name="Google Shape;75;gcad7496ea3_0_0:notes"/>
-          <p:cNvSpPr/>
-          <p:nvPr>
-            <p:ph type="sldImg" idx="2"/>
-          </p:nvPr>
-        </p:nvSpPr>
-        <p:spPr>
-          <a:xfrm>
-            <a:off x="381300" y="685800"/>
-            <a:ext cx="6096000" cy="3429000"/>
-          </a:xfrm>
-          <a:custGeom>
-            <a:avLst/>
-            <a:gdLst/>
-            <a:ahLst/>
-            <a:cxnLst/>
-            <a:rect l="l" t="t" r="r" b="b"/>
-            <a:pathLst>
-              <a:path w="120000" h="120000" extrusionOk="0">
-                <a:moveTo>
-                  <a:pt x="0" y="0"/>
-                </a:moveTo>
-                <a:lnTo>
-                  <a:pt x="120000" y="0"/>
-                </a:lnTo>
-                <a:lnTo>
-                  <a:pt x="120000" y="120000"/>
-                </a:lnTo>
-                <a:lnTo>
-                  <a:pt x="0" y="120000"/>
-                </a:lnTo>
-                <a:close/>
-              </a:path>
-            </a:pathLst>
-          </a:custGeom>
-        </p:spPr>
-      </p:sp>
-      <p:sp>
-        <p:nvSpPr>
-          <p:cNvPr id="76" name="Google Shape;76;gcad7496ea3_0_0:notes"/>
-          <p:cNvSpPr txBox="1"/>
-          <p:nvPr>
-            <p:ph type="body" idx="1"/>
-          </p:nvPr>
-        </p:nvSpPr>
-        <p:spPr>
-          <a:xfrm>
-            <a:off x="685800" y="4343400"/>
-            <a:ext cx="5486400" cy="4114800"/>
-          </a:xfrm>
-          <a:prstGeom prst="rect">
-            <a:avLst/>
-          </a:prstGeom>
-        </p:spPr>
-        <p:txBody>
-          <a:bodyPr spcFirstLastPara="1" wrap="square" lIns="91425" tIns="91425" rIns="91425" bIns="91425" anchor="t" anchorCtr="0">
-            <a:noAutofit/>
-          </a:bodyPr>
-          <a:lstStyle/>
-          <a:p>
-            <a:pPr marL="0" lvl="0" indent="0" algn="l" rtl="0">
-              <a:spcBef>
-                <a:spcPts val="0"/>
-              </a:spcBef>
-              <a:spcAft>
-                <a:spcPts val="0"/>
-              </a:spcAft>
-              <a:buNone/>
-            </a:pPr>
-            <a:endParaRPr lang="en-US"/>
-          </a:p>
-          <a:p>
-            <a:pPr marL="0" lvl="0" indent="0" algn="l" rtl="0">
-              <a:spcBef>
-                <a:spcPts val="0"/>
-              </a:spcBef>
-              <a:spcAft>
-                <a:spcPts val="0"/>
-              </a:spcAft>
-              <a:buNone/>
-            </a:pPr>
-            <a:endParaRPr lang="en-US"/>
-          </a:p>
-        </p:txBody>
-      </p:sp>
-    </p:spTree>
-  </p:cSld>
-  <p:clrMapOvr>
-    <a:masterClrMapping/>
-  </p:clrMapOvr>
-</p:notes>
-</file>
-
-<file path=ppt/notesSlides/notesSlide33.xml><?xml version="1.0" encoding="utf-8"?>
-<p:notes xmlns:a="http://schemas.openxmlformats.org/drawingml/2006/main" xmlns:r="http://schemas.openxmlformats.org/officeDocument/2006/relationships" xmlns:p="http://schemas.openxmlformats.org/presentationml/2006/main" showMasterPhAnim="0" showMasterSp="0">
-  <p:cSld>
-    <p:spTree>
-      <p:nvGrpSpPr>
-        <p:cNvPr id="74" name="Shape 74"/>
-        <p:cNvGrpSpPr/>
-        <p:nvPr/>
-      </p:nvGrpSpPr>
-      <p:grpSpPr>
-        <a:xfrm>
-          <a:off x="0" y="0"/>
-          <a:ext cx="0" cy="0"/>
-          <a:chOff x="0" y="0"/>
-          <a:chExt cx="0" cy="0"/>
-        </a:xfrm>
-      </p:grpSpPr>
-      <p:sp>
-        <p:nvSpPr>
-          <p:cNvPr id="75" name="Google Shape;75;gcad7496ea3_0_0:notes"/>
-          <p:cNvSpPr/>
-          <p:nvPr>
-            <p:ph type="sldImg" idx="2"/>
-          </p:nvPr>
-        </p:nvSpPr>
-        <p:spPr>
-          <a:xfrm>
-            <a:off x="381300" y="685800"/>
-            <a:ext cx="6096000" cy="3429000"/>
-          </a:xfrm>
-          <a:custGeom>
-            <a:avLst/>
-            <a:gdLst/>
-            <a:ahLst/>
-            <a:cxnLst/>
-            <a:rect l="l" t="t" r="r" b="b"/>
-            <a:pathLst>
-              <a:path w="120000" h="120000" extrusionOk="0">
-                <a:moveTo>
-                  <a:pt x="0" y="0"/>
-                </a:moveTo>
-                <a:lnTo>
-                  <a:pt x="120000" y="0"/>
-                </a:lnTo>
-                <a:lnTo>
-                  <a:pt x="120000" y="120000"/>
-                </a:lnTo>
-                <a:lnTo>
-                  <a:pt x="0" y="120000"/>
-                </a:lnTo>
-                <a:close/>
-              </a:path>
-            </a:pathLst>
-          </a:custGeom>
-        </p:spPr>
-      </p:sp>
-      <p:sp>
-        <p:nvSpPr>
-          <p:cNvPr id="76" name="Google Shape;76;gcad7496ea3_0_0:notes"/>
-          <p:cNvSpPr txBox="1"/>
-          <p:nvPr>
-            <p:ph type="body" idx="1"/>
-          </p:nvPr>
-        </p:nvSpPr>
-        <p:spPr>
-          <a:xfrm>
-            <a:off x="685800" y="4343400"/>
-            <a:ext cx="5486400" cy="4114800"/>
-          </a:xfrm>
-          <a:prstGeom prst="rect">
-            <a:avLst/>
-          </a:prstGeom>
-        </p:spPr>
-        <p:txBody>
-          <a:bodyPr spcFirstLastPara="1" wrap="square" lIns="91425" tIns="91425" rIns="91425" bIns="91425" anchor="t" anchorCtr="0">
-            <a:noAutofit/>
-          </a:bodyPr>
-          <a:lstStyle/>
-          <a:p>
-            <a:pPr marL="0" lvl="0" indent="0" algn="l" rtl="0">
-              <a:spcBef>
-                <a:spcPts val="0"/>
-              </a:spcBef>
-              <a:spcAft>
-                <a:spcPts val="0"/>
-              </a:spcAft>
-              <a:buNone/>
-            </a:pPr>
-            <a:endParaRPr lang="en-US"/>
-          </a:p>
-          <a:p>
-            <a:pPr marL="0" lvl="0" indent="0" algn="l" rtl="0">
-              <a:spcBef>
-                <a:spcPts val="0"/>
-              </a:spcBef>
-              <a:spcAft>
-                <a:spcPts val="0"/>
-              </a:spcAft>
-              <a:buNone/>
-            </a:pPr>
-            <a:endParaRPr lang="en-US"/>
-          </a:p>
-        </p:txBody>
-      </p:sp>
-    </p:spTree>
-  </p:cSld>
-  <p:clrMapOvr>
-    <a:masterClrMapping/>
-  </p:clrMapOvr>
-</p:notes>
-</file>
-
-<file path=ppt/notesSlides/notesSlide34.xml><?xml version="1.0" encoding="utf-8"?>
-<p:notes xmlns:a="http://schemas.openxmlformats.org/drawingml/2006/main" xmlns:r="http://schemas.openxmlformats.org/officeDocument/2006/relationships" xmlns:p="http://schemas.openxmlformats.org/presentationml/2006/main" showMasterPhAnim="0" showMasterSp="0">
-  <p:cSld>
-    <p:spTree>
-      <p:nvGrpSpPr>
-        <p:cNvPr id="74" name="Shape 74"/>
-        <p:cNvGrpSpPr/>
-        <p:nvPr/>
-      </p:nvGrpSpPr>
-      <p:grpSpPr>
-        <a:xfrm>
-          <a:off x="0" y="0"/>
-          <a:ext cx="0" cy="0"/>
-          <a:chOff x="0" y="0"/>
-          <a:chExt cx="0" cy="0"/>
-        </a:xfrm>
-      </p:grpSpPr>
-      <p:sp>
-        <p:nvSpPr>
-          <p:cNvPr id="75" name="Google Shape;75;gcad7496ea3_0_0:notes"/>
-          <p:cNvSpPr/>
-          <p:nvPr>
-            <p:ph type="sldImg" idx="2"/>
-          </p:nvPr>
-        </p:nvSpPr>
-        <p:spPr>
-          <a:xfrm>
-            <a:off x="381300" y="685800"/>
-            <a:ext cx="6096000" cy="3429000"/>
-          </a:xfrm>
-          <a:custGeom>
-            <a:avLst/>
-            <a:gdLst/>
-            <a:ahLst/>
-            <a:cxnLst/>
-            <a:rect l="l" t="t" r="r" b="b"/>
-            <a:pathLst>
-              <a:path w="120000" h="120000" extrusionOk="0">
-                <a:moveTo>
-                  <a:pt x="0" y="0"/>
-                </a:moveTo>
-                <a:lnTo>
-                  <a:pt x="120000" y="0"/>
-                </a:lnTo>
-                <a:lnTo>
-                  <a:pt x="120000" y="120000"/>
-                </a:lnTo>
-                <a:lnTo>
-                  <a:pt x="0" y="120000"/>
-                </a:lnTo>
-                <a:close/>
-              </a:path>
-            </a:pathLst>
-          </a:custGeom>
-        </p:spPr>
-      </p:sp>
-      <p:sp>
-        <p:nvSpPr>
-          <p:cNvPr id="76" name="Google Shape;76;gcad7496ea3_0_0:notes"/>
-          <p:cNvSpPr txBox="1"/>
-          <p:nvPr>
-            <p:ph type="body" idx="1"/>
-          </p:nvPr>
-        </p:nvSpPr>
-        <p:spPr>
-          <a:xfrm>
-            <a:off x="685800" y="4343400"/>
-            <a:ext cx="5486400" cy="4114800"/>
-          </a:xfrm>
-          <a:prstGeom prst="rect">
-            <a:avLst/>
-          </a:prstGeom>
-        </p:spPr>
-        <p:txBody>
-          <a:bodyPr spcFirstLastPara="1" wrap="square" lIns="91425" tIns="91425" rIns="91425" bIns="91425" anchor="t" anchorCtr="0">
-            <a:noAutofit/>
-          </a:bodyPr>
-          <a:lstStyle/>
-          <a:p>
-            <a:pPr marL="0" lvl="0" indent="0" algn="l" rtl="0">
-              <a:spcBef>
-                <a:spcPts val="0"/>
-              </a:spcBef>
-              <a:spcAft>
-                <a:spcPts val="0"/>
-              </a:spcAft>
-              <a:buNone/>
-            </a:pPr>
-            <a:endParaRPr lang="en-US"/>
-          </a:p>
-          <a:p>
-            <a:pPr marL="0" lvl="0" indent="0" algn="l" rtl="0">
-              <a:spcBef>
-                <a:spcPts val="0"/>
-              </a:spcBef>
-              <a:spcAft>
-                <a:spcPts val="0"/>
-              </a:spcAft>
-              <a:buNone/>
-            </a:pPr>
-            <a:endParaRPr lang="en-US"/>
-          </a:p>
-        </p:txBody>
-      </p:sp>
-    </p:spTree>
-  </p:cSld>
-  <p:clrMapOvr>
-    <a:masterClrMapping/>
-  </p:clrMapOvr>
-</p:notes>
-</file>
-
-<file path=ppt/notesSlides/notesSlide35.xml><?xml version="1.0" encoding="utf-8"?>
-<p:notes xmlns:a="http://schemas.openxmlformats.org/drawingml/2006/main" xmlns:r="http://schemas.openxmlformats.org/officeDocument/2006/relationships" xmlns:p="http://schemas.openxmlformats.org/presentationml/2006/main" showMasterPhAnim="0" showMasterSp="0">
-  <p:cSld>
-    <p:spTree>
-      <p:nvGrpSpPr>
-        <p:cNvPr id="74" name="Shape 74"/>
-        <p:cNvGrpSpPr/>
-        <p:nvPr/>
-      </p:nvGrpSpPr>
-      <p:grpSpPr>
-        <a:xfrm>
-          <a:off x="0" y="0"/>
-          <a:ext cx="0" cy="0"/>
-          <a:chOff x="0" y="0"/>
-          <a:chExt cx="0" cy="0"/>
-        </a:xfrm>
-      </p:grpSpPr>
-      <p:sp>
-        <p:nvSpPr>
-          <p:cNvPr id="75" name="Google Shape;75;gcad7496ea3_0_0:notes"/>
-          <p:cNvSpPr/>
-          <p:nvPr>
-            <p:ph type="sldImg" idx="2"/>
-          </p:nvPr>
-        </p:nvSpPr>
-        <p:spPr>
-          <a:xfrm>
-            <a:off x="381300" y="685800"/>
-            <a:ext cx="6096000" cy="3429000"/>
-          </a:xfrm>
-          <a:custGeom>
-            <a:avLst/>
-            <a:gdLst/>
-            <a:ahLst/>
-            <a:cxnLst/>
-            <a:rect l="l" t="t" r="r" b="b"/>
-            <a:pathLst>
-              <a:path w="120000" h="120000" extrusionOk="0">
-                <a:moveTo>
-                  <a:pt x="0" y="0"/>
-                </a:moveTo>
-                <a:lnTo>
-                  <a:pt x="120000" y="0"/>
-                </a:lnTo>
-                <a:lnTo>
-                  <a:pt x="120000" y="120000"/>
-                </a:lnTo>
-                <a:lnTo>
-                  <a:pt x="0" y="120000"/>
-                </a:lnTo>
-                <a:close/>
-              </a:path>
-            </a:pathLst>
-          </a:custGeom>
-        </p:spPr>
-      </p:sp>
-      <p:sp>
-        <p:nvSpPr>
-          <p:cNvPr id="76" name="Google Shape;76;gcad7496ea3_0_0:notes"/>
-          <p:cNvSpPr txBox="1"/>
-          <p:nvPr>
-            <p:ph type="body" idx="1"/>
-          </p:nvPr>
-        </p:nvSpPr>
-        <p:spPr>
-          <a:xfrm>
-            <a:off x="685800" y="4343400"/>
-            <a:ext cx="5486400" cy="4114800"/>
-          </a:xfrm>
-          <a:prstGeom prst="rect">
-            <a:avLst/>
-          </a:prstGeom>
-        </p:spPr>
-        <p:txBody>
-          <a:bodyPr spcFirstLastPara="1" wrap="square" lIns="91425" tIns="91425" rIns="91425" bIns="91425" anchor="t" anchorCtr="0">
-            <a:noAutofit/>
-          </a:bodyPr>
-          <a:lstStyle/>
-          <a:p>
-            <a:pPr marL="0" lvl="0" indent="0" algn="l" rtl="0">
-              <a:spcBef>
-                <a:spcPts val="0"/>
-              </a:spcBef>
-              <a:spcAft>
-                <a:spcPts val="0"/>
-              </a:spcAft>
-              <a:buNone/>
-            </a:pPr>
-            <a:endParaRPr lang="en-US"/>
-          </a:p>
-          <a:p>
-            <a:pPr marL="0" lvl="0" indent="0" algn="l" rtl="0">
-              <a:spcBef>
-                <a:spcPts val="0"/>
-              </a:spcBef>
-              <a:spcAft>
-                <a:spcPts val="0"/>
-              </a:spcAft>
-              <a:buNone/>
-            </a:pPr>
-            <a:endParaRPr lang="en-US"/>
-          </a:p>
-        </p:txBody>
-      </p:sp>
-    </p:spTree>
-  </p:cSld>
-  <p:clrMapOvr>
-    <a:masterClrMapping/>
-  </p:clrMapOvr>
-</p:notes>
-</file>
-
-<file path=ppt/notesSlides/notesSlide36.xml><?xml version="1.0" encoding="utf-8"?>
-<p:notes xmlns:a="http://schemas.openxmlformats.org/drawingml/2006/main" xmlns:r="http://schemas.openxmlformats.org/officeDocument/2006/relationships" xmlns:p="http://schemas.openxmlformats.org/presentationml/2006/main" showMasterPhAnim="0" showMasterSp="0">
-  <p:cSld>
-    <p:spTree>
-      <p:nvGrpSpPr>
-        <p:cNvPr id="74" name="Shape 74"/>
-        <p:cNvGrpSpPr/>
-        <p:nvPr/>
-      </p:nvGrpSpPr>
-      <p:grpSpPr>
-        <a:xfrm>
-          <a:off x="0" y="0"/>
-          <a:ext cx="0" cy="0"/>
-          <a:chOff x="0" y="0"/>
-          <a:chExt cx="0" cy="0"/>
-        </a:xfrm>
-      </p:grpSpPr>
-      <p:sp>
-        <p:nvSpPr>
-          <p:cNvPr id="75" name="Google Shape;75;gcad7496ea3_0_0:notes"/>
-          <p:cNvSpPr/>
-          <p:nvPr>
-            <p:ph type="sldImg" idx="2"/>
-          </p:nvPr>
-        </p:nvSpPr>
-        <p:spPr>
-          <a:xfrm>
-            <a:off x="381300" y="685800"/>
-            <a:ext cx="6096000" cy="3429000"/>
-          </a:xfrm>
-          <a:custGeom>
-            <a:avLst/>
-            <a:gdLst/>
-            <a:ahLst/>
-            <a:cxnLst/>
-            <a:rect l="l" t="t" r="r" b="b"/>
-            <a:pathLst>
-              <a:path w="120000" h="120000" extrusionOk="0">
-                <a:moveTo>
-                  <a:pt x="0" y="0"/>
-                </a:moveTo>
-                <a:lnTo>
-                  <a:pt x="120000" y="0"/>
-                </a:lnTo>
-                <a:lnTo>
-                  <a:pt x="120000" y="120000"/>
-                </a:lnTo>
-                <a:lnTo>
-                  <a:pt x="0" y="120000"/>
-                </a:lnTo>
-                <a:close/>
-              </a:path>
-            </a:pathLst>
-          </a:custGeom>
-        </p:spPr>
-      </p:sp>
-      <p:sp>
-        <p:nvSpPr>
-          <p:cNvPr id="76" name="Google Shape;76;gcad7496ea3_0_0:notes"/>
-          <p:cNvSpPr txBox="1"/>
-          <p:nvPr>
-            <p:ph type="body" idx="1"/>
-          </p:nvPr>
-        </p:nvSpPr>
-        <p:spPr>
-          <a:xfrm>
-            <a:off x="685800" y="4343400"/>
-            <a:ext cx="5486400" cy="4114800"/>
-          </a:xfrm>
-          <a:prstGeom prst="rect">
-            <a:avLst/>
-          </a:prstGeom>
-        </p:spPr>
-        <p:txBody>
-          <a:bodyPr spcFirstLastPara="1" wrap="square" lIns="91425" tIns="91425" rIns="91425" bIns="91425" anchor="t" anchorCtr="0">
-            <a:noAutofit/>
-          </a:bodyPr>
-          <a:lstStyle/>
-          <a:p>
-            <a:pPr marL="0" lvl="0" indent="0" algn="l" rtl="0">
-              <a:spcBef>
-                <a:spcPts val="0"/>
-              </a:spcBef>
-              <a:spcAft>
-                <a:spcPts val="0"/>
-              </a:spcAft>
-              <a:buNone/>
-            </a:pPr>
-            <a:endParaRPr lang="en-US"/>
-          </a:p>
-          <a:p>
-            <a:pPr marL="0" lvl="0" indent="0" algn="l" rtl="0">
-              <a:spcBef>
-                <a:spcPts val="0"/>
-              </a:spcBef>
-              <a:spcAft>
-                <a:spcPts val="0"/>
-              </a:spcAft>
-              <a:buNone/>
-            </a:pPr>
-            <a:endParaRPr lang="en-US"/>
-          </a:p>
-        </p:txBody>
-      </p:sp>
-    </p:spTree>
-  </p:cSld>
-  <p:clrMapOvr>
-    <a:masterClrMapping/>
-  </p:clrMapOvr>
-</p:notes>
-</file>
-
-<file path=ppt/notesSlides/notesSlide37.xml><?xml version="1.0" encoding="utf-8"?>
-<p:notes xmlns:a="http://schemas.openxmlformats.org/drawingml/2006/main" xmlns:r="http://schemas.openxmlformats.org/officeDocument/2006/relationships" xmlns:p="http://schemas.openxmlformats.org/presentationml/2006/main" showMasterPhAnim="0" showMasterSp="0">
-  <p:cSld>
-    <p:spTree>
-      <p:nvGrpSpPr>
-        <p:cNvPr id="74" name="Shape 74"/>
-        <p:cNvGrpSpPr/>
-        <p:nvPr/>
-      </p:nvGrpSpPr>
-      <p:grpSpPr>
-        <a:xfrm>
-          <a:off x="0" y="0"/>
-          <a:ext cx="0" cy="0"/>
-          <a:chOff x="0" y="0"/>
-          <a:chExt cx="0" cy="0"/>
-        </a:xfrm>
-      </p:grpSpPr>
-      <p:sp>
-        <p:nvSpPr>
-          <p:cNvPr id="75" name="Google Shape;75;gcad7496ea3_0_0:notes"/>
-          <p:cNvSpPr/>
-          <p:nvPr>
-            <p:ph type="sldImg" idx="2"/>
-          </p:nvPr>
-        </p:nvSpPr>
-        <p:spPr>
-          <a:xfrm>
-            <a:off x="381300" y="685800"/>
-            <a:ext cx="6096000" cy="3429000"/>
-          </a:xfrm>
-          <a:custGeom>
-            <a:avLst/>
-            <a:gdLst/>
-            <a:ahLst/>
-            <a:cxnLst/>
-            <a:rect l="l" t="t" r="r" b="b"/>
-            <a:pathLst>
-              <a:path w="120000" h="120000" extrusionOk="0">
-                <a:moveTo>
-                  <a:pt x="0" y="0"/>
-                </a:moveTo>
-                <a:lnTo>
-                  <a:pt x="120000" y="0"/>
-                </a:lnTo>
-                <a:lnTo>
-                  <a:pt x="120000" y="120000"/>
-                </a:lnTo>
-                <a:lnTo>
-                  <a:pt x="0" y="120000"/>
-                </a:lnTo>
-                <a:close/>
-              </a:path>
-            </a:pathLst>
-          </a:custGeom>
-        </p:spPr>
-      </p:sp>
-      <p:sp>
-        <p:nvSpPr>
-          <p:cNvPr id="76" name="Google Shape;76;gcad7496ea3_0_0:notes"/>
-          <p:cNvSpPr txBox="1"/>
-          <p:nvPr>
-            <p:ph type="body" idx="1"/>
-          </p:nvPr>
-        </p:nvSpPr>
-        <p:spPr>
-          <a:xfrm>
-            <a:off x="685800" y="4343400"/>
-            <a:ext cx="5486400" cy="4114800"/>
-          </a:xfrm>
-          <a:prstGeom prst="rect">
-            <a:avLst/>
-          </a:prstGeom>
-        </p:spPr>
-        <p:txBody>
-          <a:bodyPr spcFirstLastPara="1" wrap="square" lIns="91425" tIns="91425" rIns="91425" bIns="91425" anchor="t" anchorCtr="0">
-            <a:noAutofit/>
-          </a:bodyPr>
-          <a:lstStyle/>
-          <a:p>
-            <a:pPr marL="0" lvl="0" indent="0" algn="l" rtl="0">
-              <a:spcBef>
-                <a:spcPts val="0"/>
-              </a:spcBef>
-              <a:spcAft>
-                <a:spcPts val="0"/>
-              </a:spcAft>
-              <a:buNone/>
-            </a:pPr>
-            <a:endParaRPr lang="en-US"/>
-          </a:p>
-          <a:p>
-            <a:pPr marL="0" lvl="0" indent="0" algn="l" rtl="0">
-              <a:spcBef>
-                <a:spcPts val="0"/>
-              </a:spcBef>
-              <a:spcAft>
-                <a:spcPts val="0"/>
-              </a:spcAft>
-              <a:buNone/>
-            </a:pPr>
-            <a:endParaRPr lang="en-US"/>
-          </a:p>
-        </p:txBody>
-      </p:sp>
-    </p:spTree>
-  </p:cSld>
-  <p:clrMapOvr>
-    <a:masterClrMapping/>
-  </p:clrMapOvr>
-</p:notes>
-</file>
-
-<file path=ppt/notesSlides/notesSlide38.xml><?xml version="1.0" encoding="utf-8"?>
-<p:notes xmlns:a="http://schemas.openxmlformats.org/drawingml/2006/main" xmlns:r="http://schemas.openxmlformats.org/officeDocument/2006/relationships" xmlns:p="http://schemas.openxmlformats.org/presentationml/2006/main" showMasterPhAnim="0" showMasterSp="0">
-  <p:cSld>
-    <p:spTree>
-      <p:nvGrpSpPr>
-        <p:cNvPr id="74" name="Shape 74"/>
-        <p:cNvGrpSpPr/>
-        <p:nvPr/>
-      </p:nvGrpSpPr>
-      <p:grpSpPr>
-        <a:xfrm>
-          <a:off x="0" y="0"/>
-          <a:ext cx="0" cy="0"/>
-          <a:chOff x="0" y="0"/>
-          <a:chExt cx="0" cy="0"/>
-        </a:xfrm>
-      </p:grpSpPr>
-      <p:sp>
-        <p:nvSpPr>
-          <p:cNvPr id="75" name="Google Shape;75;gcad7496ea3_0_0:notes"/>
-          <p:cNvSpPr/>
-          <p:nvPr>
-            <p:ph type="sldImg" idx="2"/>
-          </p:nvPr>
-        </p:nvSpPr>
-        <p:spPr>
-          <a:xfrm>
-            <a:off x="381300" y="685800"/>
-            <a:ext cx="6096000" cy="3429000"/>
-          </a:xfrm>
-          <a:custGeom>
-            <a:avLst/>
-            <a:gdLst/>
-            <a:ahLst/>
-            <a:cxnLst/>
-            <a:rect l="l" t="t" r="r" b="b"/>
-            <a:pathLst>
-              <a:path w="120000" h="120000" extrusionOk="0">
-                <a:moveTo>
-                  <a:pt x="0" y="0"/>
-                </a:moveTo>
-                <a:lnTo>
-                  <a:pt x="120000" y="0"/>
-                </a:lnTo>
-                <a:lnTo>
-                  <a:pt x="120000" y="120000"/>
-                </a:lnTo>
-                <a:lnTo>
-                  <a:pt x="0" y="120000"/>
-                </a:lnTo>
-                <a:close/>
-              </a:path>
-            </a:pathLst>
-          </a:custGeom>
-        </p:spPr>
-      </p:sp>
-      <p:sp>
-        <p:nvSpPr>
-          <p:cNvPr id="76" name="Google Shape;76;gcad7496ea3_0_0:notes"/>
-          <p:cNvSpPr txBox="1"/>
-          <p:nvPr>
-            <p:ph type="body" idx="1"/>
-          </p:nvPr>
-        </p:nvSpPr>
-        <p:spPr>
-          <a:xfrm>
-            <a:off x="685800" y="4343400"/>
-            <a:ext cx="5486400" cy="4114800"/>
-          </a:xfrm>
-          <a:prstGeom prst="rect">
-            <a:avLst/>
-          </a:prstGeom>
-        </p:spPr>
-        <p:txBody>
-          <a:bodyPr spcFirstLastPara="1" wrap="square" lIns="91425" tIns="91425" rIns="91425" bIns="91425" anchor="t" anchorCtr="0">
-            <a:noAutofit/>
-          </a:bodyPr>
-          <a:lstStyle/>
-          <a:p>
-            <a:pPr marL="0" lvl="0" indent="0" algn="l" rtl="0">
-              <a:spcBef>
-                <a:spcPts val="0"/>
-              </a:spcBef>
-              <a:spcAft>
-                <a:spcPts val="0"/>
-              </a:spcAft>
-              <a:buNone/>
-            </a:pPr>
-            <a:endParaRPr lang="en-US"/>
-          </a:p>
-          <a:p>
-            <a:pPr marL="0" lvl="0" indent="0" algn="l" rtl="0">
-              <a:spcBef>
-                <a:spcPts val="0"/>
-              </a:spcBef>
-              <a:spcAft>
-                <a:spcPts val="0"/>
-              </a:spcAft>
-              <a:buNone/>
-            </a:pPr>
-            <a:endParaRPr lang="en-US"/>
-          </a:p>
-        </p:txBody>
-      </p:sp>
-    </p:spTree>
-  </p:cSld>
-  <p:clrMapOvr>
-    <a:masterClrMapping/>
-  </p:clrMapOvr>
-</p:notes>
-</file>
-
-<file path=ppt/notesSlides/notesSlide39.xml><?xml version="1.0" encoding="utf-8"?>
-<p:notes xmlns:a="http://schemas.openxmlformats.org/drawingml/2006/main" xmlns:r="http://schemas.openxmlformats.org/officeDocument/2006/relationships" xmlns:p="http://schemas.openxmlformats.org/presentationml/2006/main" showMasterPhAnim="0" showMasterSp="0">
-  <p:cSld>
-    <p:spTree>
-      <p:nvGrpSpPr>
-        <p:cNvPr id="74" name="Shape 74"/>
-        <p:cNvGrpSpPr/>
-        <p:nvPr/>
-      </p:nvGrpSpPr>
-      <p:grpSpPr>
-        <a:xfrm>
-          <a:off x="0" y="0"/>
-          <a:ext cx="0" cy="0"/>
-          <a:chOff x="0" y="0"/>
-          <a:chExt cx="0" cy="0"/>
-        </a:xfrm>
-      </p:grpSpPr>
-      <p:sp>
-        <p:nvSpPr>
-          <p:cNvPr id="75" name="Google Shape;75;gcad7496ea3_0_0:notes"/>
-          <p:cNvSpPr/>
-          <p:nvPr>
-            <p:ph type="sldImg" idx="2"/>
-          </p:nvPr>
-        </p:nvSpPr>
-        <p:spPr>
-          <a:xfrm>
-            <a:off x="381300" y="685800"/>
-            <a:ext cx="6096000" cy="3429000"/>
-          </a:xfrm>
-          <a:custGeom>
-            <a:avLst/>
-            <a:gdLst/>
-            <a:ahLst/>
-            <a:cxnLst/>
-            <a:rect l="l" t="t" r="r" b="b"/>
-            <a:pathLst>
-              <a:path w="120000" h="120000" extrusionOk="0">
-                <a:moveTo>
-                  <a:pt x="0" y="0"/>
-                </a:moveTo>
-                <a:lnTo>
-                  <a:pt x="120000" y="0"/>
-                </a:lnTo>
-                <a:lnTo>
-                  <a:pt x="120000" y="120000"/>
-                </a:lnTo>
-                <a:lnTo>
-                  <a:pt x="0" y="120000"/>
-                </a:lnTo>
-                <a:close/>
-              </a:path>
-            </a:pathLst>
-          </a:custGeom>
-        </p:spPr>
-      </p:sp>
-      <p:sp>
-        <p:nvSpPr>
-          <p:cNvPr id="76" name="Google Shape;76;gcad7496ea3_0_0:notes"/>
-          <p:cNvSpPr txBox="1"/>
-          <p:nvPr>
-            <p:ph type="body" idx="1"/>
-          </p:nvPr>
-        </p:nvSpPr>
-        <p:spPr>
-          <a:xfrm>
-            <a:off x="685800" y="4343400"/>
-            <a:ext cx="5486400" cy="4114800"/>
-          </a:xfrm>
-          <a:prstGeom prst="rect">
-            <a:avLst/>
-          </a:prstGeom>
-        </p:spPr>
-        <p:txBody>
-          <a:bodyPr spcFirstLastPara="1" wrap="square" lIns="91425" tIns="91425" rIns="91425" bIns="91425" anchor="t" anchorCtr="0">
-            <a:noAutofit/>
-          </a:bodyPr>
-          <a:lstStyle/>
-          <a:p>
-            <a:pPr marL="0" lvl="0" indent="0" algn="l" rtl="0">
-              <a:spcBef>
-                <a:spcPts val="0"/>
-              </a:spcBef>
-              <a:spcAft>
-                <a:spcPts val="0"/>
-              </a:spcAft>
-              <a:buNone/>
-            </a:pPr>
-            <a:endParaRPr lang="en-US"/>
-          </a:p>
-          <a:p>
-            <a:pPr marL="0" lvl="0" indent="0" algn="l" rtl="0">
-              <a:spcBef>
-                <a:spcPts val="0"/>
-              </a:spcBef>
-              <a:spcAft>
-                <a:spcPts val="0"/>
-              </a:spcAft>
-              <a:buNone/>
-            </a:pPr>
-            <a:endParaRPr lang="en-US"/>
           </a:p>
         </p:txBody>
       </p:sp>
@@ -4785,329 +3692,6 @@
       <p:sp>
         <p:nvSpPr>
           <p:cNvPr id="76" name="Google Shape;76;gcad7496ea3_0_0:notes"/>
-          <p:cNvSpPr txBox="1"/>
-          <p:nvPr>
-            <p:ph type="body" idx="1"/>
-          </p:nvPr>
-        </p:nvSpPr>
-        <p:spPr>
-          <a:xfrm>
-            <a:off x="685800" y="4343400"/>
-            <a:ext cx="5486400" cy="4114800"/>
-          </a:xfrm>
-          <a:prstGeom prst="rect">
-            <a:avLst/>
-          </a:prstGeom>
-        </p:spPr>
-        <p:txBody>
-          <a:bodyPr spcFirstLastPara="1" wrap="square" lIns="91425" tIns="91425" rIns="91425" bIns="91425" anchor="t" anchorCtr="0">
-            <a:noAutofit/>
-          </a:bodyPr>
-          <a:lstStyle/>
-          <a:p>
-            <a:pPr marL="0" lvl="0" indent="0" algn="l" rtl="0">
-              <a:spcBef>
-                <a:spcPts val="0"/>
-              </a:spcBef>
-              <a:spcAft>
-                <a:spcPts val="0"/>
-              </a:spcAft>
-              <a:buNone/>
-            </a:pPr>
-          </a:p>
-        </p:txBody>
-      </p:sp>
-    </p:spTree>
-  </p:cSld>
-  <p:clrMapOvr>
-    <a:masterClrMapping/>
-  </p:clrMapOvr>
-</p:notes>
-</file>
-
-<file path=ppt/notesSlides/notesSlide40.xml><?xml version="1.0" encoding="utf-8"?>
-<p:notes xmlns:a="http://schemas.openxmlformats.org/drawingml/2006/main" xmlns:r="http://schemas.openxmlformats.org/officeDocument/2006/relationships" xmlns:p="http://schemas.openxmlformats.org/presentationml/2006/main" showMasterPhAnim="0" showMasterSp="0">
-  <p:cSld>
-    <p:spTree>
-      <p:nvGrpSpPr>
-        <p:cNvPr id="74" name="Shape 74"/>
-        <p:cNvGrpSpPr/>
-        <p:nvPr/>
-      </p:nvGrpSpPr>
-      <p:grpSpPr>
-        <a:xfrm>
-          <a:off x="0" y="0"/>
-          <a:ext cx="0" cy="0"/>
-          <a:chOff x="0" y="0"/>
-          <a:chExt cx="0" cy="0"/>
-        </a:xfrm>
-      </p:grpSpPr>
-      <p:sp>
-        <p:nvSpPr>
-          <p:cNvPr id="75" name="Google Shape;75;gcad7496ea3_0_0:notes"/>
-          <p:cNvSpPr/>
-          <p:nvPr>
-            <p:ph type="sldImg" idx="2"/>
-          </p:nvPr>
-        </p:nvSpPr>
-        <p:spPr>
-          <a:xfrm>
-            <a:off x="381300" y="685800"/>
-            <a:ext cx="6096000" cy="3429000"/>
-          </a:xfrm>
-          <a:custGeom>
-            <a:avLst/>
-            <a:gdLst/>
-            <a:ahLst/>
-            <a:cxnLst/>
-            <a:rect l="l" t="t" r="r" b="b"/>
-            <a:pathLst>
-              <a:path w="120000" h="120000" extrusionOk="0">
-                <a:moveTo>
-                  <a:pt x="0" y="0"/>
-                </a:moveTo>
-                <a:lnTo>
-                  <a:pt x="120000" y="0"/>
-                </a:lnTo>
-                <a:lnTo>
-                  <a:pt x="120000" y="120000"/>
-                </a:lnTo>
-                <a:lnTo>
-                  <a:pt x="0" y="120000"/>
-                </a:lnTo>
-                <a:close/>
-              </a:path>
-            </a:pathLst>
-          </a:custGeom>
-        </p:spPr>
-      </p:sp>
-      <p:sp>
-        <p:nvSpPr>
-          <p:cNvPr id="76" name="Google Shape;76;gcad7496ea3_0_0:notes"/>
-          <p:cNvSpPr txBox="1"/>
-          <p:nvPr>
-            <p:ph type="body" idx="1"/>
-          </p:nvPr>
-        </p:nvSpPr>
-        <p:spPr>
-          <a:xfrm>
-            <a:off x="685800" y="4343400"/>
-            <a:ext cx="5486400" cy="4114800"/>
-          </a:xfrm>
-          <a:prstGeom prst="rect">
-            <a:avLst/>
-          </a:prstGeom>
-        </p:spPr>
-        <p:txBody>
-          <a:bodyPr spcFirstLastPara="1" wrap="square" lIns="91425" tIns="91425" rIns="91425" bIns="91425" anchor="t" anchorCtr="0">
-            <a:noAutofit/>
-          </a:bodyPr>
-          <a:lstStyle/>
-          <a:p>
-            <a:pPr marL="0" lvl="0" indent="0" algn="l" rtl="0">
-              <a:spcBef>
-                <a:spcPts val="0"/>
-              </a:spcBef>
-              <a:spcAft>
-                <a:spcPts val="0"/>
-              </a:spcAft>
-              <a:buNone/>
-            </a:pPr>
-            <a:endParaRPr lang="en-US"/>
-          </a:p>
-          <a:p>
-            <a:pPr marL="0" lvl="0" indent="0" algn="l" rtl="0">
-              <a:spcBef>
-                <a:spcPts val="0"/>
-              </a:spcBef>
-              <a:spcAft>
-                <a:spcPts val="0"/>
-              </a:spcAft>
-              <a:buNone/>
-            </a:pPr>
-            <a:endParaRPr lang="en-US"/>
-          </a:p>
-        </p:txBody>
-      </p:sp>
-    </p:spTree>
-  </p:cSld>
-  <p:clrMapOvr>
-    <a:masterClrMapping/>
-  </p:clrMapOvr>
-</p:notes>
-</file>
-
-<file path=ppt/notesSlides/notesSlide41.xml><?xml version="1.0" encoding="utf-8"?>
-<p:notes xmlns:a="http://schemas.openxmlformats.org/drawingml/2006/main" xmlns:r="http://schemas.openxmlformats.org/officeDocument/2006/relationships" xmlns:p="http://schemas.openxmlformats.org/presentationml/2006/main" showMasterPhAnim="0" showMasterSp="0">
-  <p:cSld>
-    <p:spTree>
-      <p:nvGrpSpPr>
-        <p:cNvPr id="74" name="Shape 74"/>
-        <p:cNvGrpSpPr/>
-        <p:nvPr/>
-      </p:nvGrpSpPr>
-      <p:grpSpPr>
-        <a:xfrm>
-          <a:off x="0" y="0"/>
-          <a:ext cx="0" cy="0"/>
-          <a:chOff x="0" y="0"/>
-          <a:chExt cx="0" cy="0"/>
-        </a:xfrm>
-      </p:grpSpPr>
-      <p:sp>
-        <p:nvSpPr>
-          <p:cNvPr id="75" name="Google Shape;75;gcad7496ea3_0_0:notes"/>
-          <p:cNvSpPr/>
-          <p:nvPr>
-            <p:ph type="sldImg" idx="2"/>
-          </p:nvPr>
-        </p:nvSpPr>
-        <p:spPr>
-          <a:xfrm>
-            <a:off x="381300" y="685800"/>
-            <a:ext cx="6096000" cy="3429000"/>
-          </a:xfrm>
-          <a:custGeom>
-            <a:avLst/>
-            <a:gdLst/>
-            <a:ahLst/>
-            <a:cxnLst/>
-            <a:rect l="l" t="t" r="r" b="b"/>
-            <a:pathLst>
-              <a:path w="120000" h="120000" extrusionOk="0">
-                <a:moveTo>
-                  <a:pt x="0" y="0"/>
-                </a:moveTo>
-                <a:lnTo>
-                  <a:pt x="120000" y="0"/>
-                </a:lnTo>
-                <a:lnTo>
-                  <a:pt x="120000" y="120000"/>
-                </a:lnTo>
-                <a:lnTo>
-                  <a:pt x="0" y="120000"/>
-                </a:lnTo>
-                <a:close/>
-              </a:path>
-            </a:pathLst>
-          </a:custGeom>
-        </p:spPr>
-      </p:sp>
-      <p:sp>
-        <p:nvSpPr>
-          <p:cNvPr id="76" name="Google Shape;76;gcad7496ea3_0_0:notes"/>
-          <p:cNvSpPr txBox="1"/>
-          <p:nvPr>
-            <p:ph type="body" idx="1"/>
-          </p:nvPr>
-        </p:nvSpPr>
-        <p:spPr>
-          <a:xfrm>
-            <a:off x="685800" y="4343400"/>
-            <a:ext cx="5486400" cy="4114800"/>
-          </a:xfrm>
-          <a:prstGeom prst="rect">
-            <a:avLst/>
-          </a:prstGeom>
-        </p:spPr>
-        <p:txBody>
-          <a:bodyPr spcFirstLastPara="1" wrap="square" lIns="91425" tIns="91425" rIns="91425" bIns="91425" anchor="t" anchorCtr="0">
-            <a:noAutofit/>
-          </a:bodyPr>
-          <a:lstStyle/>
-          <a:p>
-            <a:pPr marL="0" lvl="0" indent="0" algn="l" rtl="0">
-              <a:spcBef>
-                <a:spcPts val="0"/>
-              </a:spcBef>
-              <a:spcAft>
-                <a:spcPts val="0"/>
-              </a:spcAft>
-              <a:buNone/>
-            </a:pPr>
-            <a:endParaRPr lang="en-US"/>
-          </a:p>
-          <a:p>
-            <a:pPr marL="0" lvl="0" indent="0" algn="l" rtl="0">
-              <a:spcBef>
-                <a:spcPts val="0"/>
-              </a:spcBef>
-              <a:spcAft>
-                <a:spcPts val="0"/>
-              </a:spcAft>
-              <a:buNone/>
-            </a:pPr>
-            <a:endParaRPr lang="en-US"/>
-          </a:p>
-        </p:txBody>
-      </p:sp>
-    </p:spTree>
-  </p:cSld>
-  <p:clrMapOvr>
-    <a:masterClrMapping/>
-  </p:clrMapOvr>
-</p:notes>
-</file>
-
-<file path=ppt/notesSlides/notesSlide42.xml><?xml version="1.0" encoding="utf-8"?>
-<p:notes xmlns:a="http://schemas.openxmlformats.org/drawingml/2006/main" xmlns:r="http://schemas.openxmlformats.org/officeDocument/2006/relationships" xmlns:p="http://schemas.openxmlformats.org/presentationml/2006/main" showMasterPhAnim="0" showMasterSp="0">
-  <p:cSld>
-    <p:spTree>
-      <p:nvGrpSpPr>
-        <p:cNvPr id="447" name="Shape 447"/>
-        <p:cNvGrpSpPr/>
-        <p:nvPr/>
-      </p:nvGrpSpPr>
-      <p:grpSpPr>
-        <a:xfrm>
-          <a:off x="0" y="0"/>
-          <a:ext cx="0" cy="0"/>
-          <a:chOff x="0" y="0"/>
-          <a:chExt cx="0" cy="0"/>
-        </a:xfrm>
-      </p:grpSpPr>
-      <p:sp>
-        <p:nvSpPr>
-          <p:cNvPr id="448" name="Google Shape;448;gcb89376c82_0_37:notes"/>
-          <p:cNvSpPr/>
-          <p:nvPr>
-            <p:ph type="sldImg" idx="2"/>
-          </p:nvPr>
-        </p:nvSpPr>
-        <p:spPr>
-          <a:xfrm>
-            <a:off x="381300" y="685800"/>
-            <a:ext cx="6096000" cy="3429000"/>
-          </a:xfrm>
-          <a:custGeom>
-            <a:avLst/>
-            <a:gdLst/>
-            <a:ahLst/>
-            <a:cxnLst/>
-            <a:rect l="l" t="t" r="r" b="b"/>
-            <a:pathLst>
-              <a:path w="120000" h="120000" extrusionOk="0">
-                <a:moveTo>
-                  <a:pt x="0" y="0"/>
-                </a:moveTo>
-                <a:lnTo>
-                  <a:pt x="120000" y="0"/>
-                </a:lnTo>
-                <a:lnTo>
-                  <a:pt x="120000" y="120000"/>
-                </a:lnTo>
-                <a:lnTo>
-                  <a:pt x="0" y="120000"/>
-                </a:lnTo>
-                <a:close/>
-              </a:path>
-            </a:pathLst>
-          </a:custGeom>
-        </p:spPr>
-      </p:sp>
-      <p:sp>
-        <p:nvSpPr>
-          <p:cNvPr id="449" name="Google Shape;449;gcb89376c82_0_37:notes"/>
           <p:cNvSpPr txBox="1"/>
           <p:nvPr>
             <p:ph type="body" idx="1"/>
@@ -12006,7 +10590,7 @@
       </p:sp>
       <p:pic>
         <p:nvPicPr>
-          <p:cNvPr id="1" name="Picture 0"/>
+          <p:cNvPr id="2" name="Picture 1"/>
           <p:cNvPicPr>
             <a:picLocks noChangeAspect="1"/>
           </p:cNvPicPr>
@@ -12167,7 +10751,7 @@
       </p:sp>
       <p:pic>
         <p:nvPicPr>
-          <p:cNvPr id="1" name="Picture 0"/>
+          <p:cNvPr id="2" name="Picture 1"/>
           <p:cNvPicPr>
             <a:picLocks noChangeAspect="1"/>
           </p:cNvPicPr>
@@ -12401,7 +10985,7 @@
       </p:sp>
       <p:pic>
         <p:nvPicPr>
-          <p:cNvPr id="1" name="Picture 0"/>
+          <p:cNvPr id="2" name="Picture 1"/>
           <p:cNvPicPr>
             <a:picLocks noChangeAspect="1"/>
           </p:cNvPicPr>
@@ -13042,7 +11626,7 @@
       </p:sp>
       <p:pic>
         <p:nvPicPr>
-          <p:cNvPr id="1" name="Picture 0"/>
+          <p:cNvPr id="2" name="Picture 1"/>
           <p:cNvPicPr>
             <a:picLocks noChangeAspect="1"/>
           </p:cNvPicPr>
@@ -13077,43 +11661,154 @@
   <p:cSld>
     <p:spTree>
       <p:nvGrpSpPr>
-        <p:cNvPr id="1" name=""/>
+        <p:cNvPr id="77" name="Shape 77"/>
         <p:cNvGrpSpPr/>
         <p:nvPr/>
       </p:nvGrpSpPr>
-      <p:grpSpPr/>
-      <p:sp>
-        <p:nvSpPr>
-          <p:cNvPr id="2" name="Title 1"/>
-          <p:cNvSpPr/>
+      <p:grpSpPr>
+        <a:xfrm>
+          <a:off x="0" y="0"/>
+          <a:ext cx="0" cy="0"/>
+          <a:chOff x="0" y="0"/>
+          <a:chExt cx="0" cy="0"/>
+        </a:xfrm>
+      </p:grpSpPr>
+      <p:sp>
+        <p:nvSpPr>
+          <p:cNvPr id="78" name="Google Shape;78;p15"/>
+          <p:cNvSpPr txBox="1"/>
           <p:nvPr>
             <p:ph type="title"/>
           </p:nvPr>
         </p:nvSpPr>
-        <p:spPr/>
+        <p:spPr>
+          <a:xfrm>
+            <a:off x="311700" y="123715"/>
+            <a:ext cx="8520600" cy="707400"/>
+          </a:xfrm>
+          <a:prstGeom prst="rect">
+            <a:avLst/>
+          </a:prstGeom>
+        </p:spPr>
         <p:txBody>
-          <a:bodyPr/>
-          <a:p>
-            <a:endParaRPr lang="en-US"/>
+          <a:bodyPr spcFirstLastPara="1" wrap="square" lIns="91425" tIns="91425" rIns="91425" bIns="91425" anchor="t" anchorCtr="0">
+            <a:normAutofit/>
+          </a:bodyPr>
+          <a:lstStyle/>
+          <a:p>
+            <a:pPr marL="0" lvl="0" indent="0" algn="l" rtl="0">
+              <a:spcBef>
+                <a:spcPts val="0"/>
+              </a:spcBef>
+              <a:spcAft>
+                <a:spcPts val="0"/>
+              </a:spcAft>
+              <a:buSzPts val="990"/>
+              <a:buNone/>
+            </a:pPr>
+            <a:r>
+              <a:rPr lang="en-US" sz="2940"/>
+              <a:t>Multi-Command container</a:t>
+            </a:r>
+            <a:endParaRPr lang="en-US" sz="2940" b="0">
+              <a:solidFill>
+                <a:srgbClr val="3D85C6"/>
+              </a:solidFill>
+            </a:endParaRPr>
           </a:p>
         </p:txBody>
       </p:sp>
       <p:sp>
         <p:nvSpPr>
-          <p:cNvPr id="3" name="Text Placeholder 2"/>
-          <p:cNvSpPr/>
+          <p:cNvPr id="79" name="Google Shape;79;p15"/>
+          <p:cNvSpPr txBox="1"/>
           <p:nvPr>
             <p:ph type="body" idx="1"/>
           </p:nvPr>
         </p:nvSpPr>
-        <p:spPr/>
+        <p:spPr>
+          <a:xfrm>
+            <a:off x="311785" y="831850"/>
+            <a:ext cx="8268970" cy="3736975"/>
+          </a:xfrm>
+          <a:prstGeom prst="rect">
+            <a:avLst/>
+          </a:prstGeom>
+        </p:spPr>
         <p:txBody>
-          <a:bodyPr/>
-          <a:p>
-            <a:endParaRPr lang="en-US"/>
+          <a:bodyPr spcFirstLastPara="1" wrap="square" lIns="91425" tIns="91425" rIns="91425" bIns="91425" anchor="t" anchorCtr="0">
+            <a:normAutofit lnSpcReduction="10000"/>
+          </a:bodyPr>
+          <a:p>
+            <a:pPr marL="457200" lvl="0" indent="-342900" algn="l" rtl="0">
+              <a:spcBef>
+                <a:spcPts val="0"/>
+              </a:spcBef>
+              <a:spcAft>
+                <a:spcPts val="0"/>
+              </a:spcAft>
+              <a:buSzPts val="1800"/>
+              <a:buChar char="+"/>
+            </a:pPr>
+            <a:r>
+              <a:rPr lang="en-US" altLang="en-GB" b="1">
+                <a:sym typeface="+mn-ea"/>
+              </a:rPr>
+              <a:t>First, Settup redis on docker</a:t>
+            </a:r>
+            <a:endParaRPr lang="en-US" altLang="en-GB" b="1">
+              <a:sym typeface="+mn-ea"/>
+            </a:endParaRPr>
+          </a:p>
+          <a:p>
+            <a:pPr marL="114300" lvl="0" indent="0" algn="l" rtl="0">
+              <a:spcBef>
+                <a:spcPts val="0"/>
+              </a:spcBef>
+              <a:spcAft>
+                <a:spcPts val="0"/>
+              </a:spcAft>
+              <a:buSzPts val="1800"/>
+              <a:buNone/>
+            </a:pPr>
+            <a:r>
+              <a:rPr lang="en-US" altLang="en-GB" b="1">
+                <a:sym typeface="+mn-ea"/>
+              </a:rPr>
+              <a:t>&gt;&gt; docker run redis</a:t>
+            </a:r>
+            <a:endParaRPr lang="en-US" b="1">
+              <a:solidFill>
+                <a:srgbClr val="B45F06"/>
+              </a:solidFill>
+            </a:endParaRPr>
           </a:p>
         </p:txBody>
       </p:sp>
+      <p:pic>
+        <p:nvPicPr>
+          <p:cNvPr id="1" name="Picture 0"/>
+          <p:cNvPicPr>
+            <a:picLocks noChangeAspect="1"/>
+          </p:cNvPicPr>
+          <p:nvPr/>
+        </p:nvPicPr>
+        <p:blipFill>
+          <a:blip r:embed="rId1"/>
+          <a:stretch>
+            <a:fillRect/>
+          </a:stretch>
+        </p:blipFill>
+        <p:spPr>
+          <a:xfrm>
+            <a:off x="976630" y="1978660"/>
+            <a:ext cx="6939280" cy="2514600"/>
+          </a:xfrm>
+          <a:prstGeom prst="rect">
+            <a:avLst/>
+          </a:prstGeom>
+        </p:spPr>
+      </p:pic>
     </p:spTree>
   </p:cSld>
   <p:clrMapOvr>
@@ -13173,10 +11868,8 @@
               <a:buNone/>
             </a:pPr>
             <a:r>
-              <a:rPr lang="en-US" sz="2935">
-                <a:sym typeface="+mn-ea"/>
-              </a:rPr>
-              <a:t>What is Docker</a:t>
+              <a:rPr lang="en-US" sz="2940"/>
+              <a:t>Multi-Command Container</a:t>
             </a:r>
             <a:endParaRPr lang="en-US" sz="2940" b="0">
               <a:solidFill>
@@ -13197,7 +11890,7 @@
         <p:spPr>
           <a:xfrm>
             <a:off x="311785" y="831850"/>
-            <a:ext cx="8520430" cy="3736975"/>
+            <a:ext cx="4762500" cy="2052955"/>
           </a:xfrm>
           <a:prstGeom prst="rect">
             <a:avLst/>
@@ -13205,9 +11898,8 @@
         </p:spPr>
         <p:txBody>
           <a:bodyPr spcFirstLastPara="1" wrap="square" lIns="91425" tIns="91425" rIns="91425" bIns="91425" anchor="t" anchorCtr="0">
-            <a:normAutofit/>
+            <a:normAutofit lnSpcReduction="10000"/>
           </a:bodyPr>
-          <a:lstStyle/>
           <a:p>
             <a:pPr marL="457200" lvl="0" indent="-342900" algn="l" rtl="0">
               <a:spcBef>
@@ -13223,14 +11915,14 @@
               <a:rPr lang="en-US" altLang="en-GB" b="1">
                 <a:sym typeface="+mn-ea"/>
               </a:rPr>
-              <a:t>Docker Container: is a standard unit of software that packages up code and all its dependencies so the application runs quickly and reliably from one computing environment to another.</a:t>
+              <a:t>try to run redis-cli but it’s not working because the command run outside the container</a:t>
             </a:r>
             <a:endParaRPr lang="en-US" altLang="en-GB" b="1">
               <a:sym typeface="+mn-ea"/>
             </a:endParaRPr>
           </a:p>
           <a:p>
-            <a:pPr marL="457200" lvl="0" indent="-342900" algn="l" rtl="0">
+            <a:pPr marL="114300" lvl="0" indent="0" algn="l" rtl="0">
               <a:spcBef>
                 <a:spcPts val="0"/>
               </a:spcBef>
@@ -13238,56 +11930,8 @@
                 <a:spcPts val="0"/>
               </a:spcAft>
               <a:buSzPts val="1800"/>
-              <a:buChar char="+"/>
-            </a:pPr>
-            <a:r>
-              <a:rPr lang="en-US" altLang="en-GB" b="1">
-                <a:sym typeface="+mn-ea"/>
-              </a:rPr>
-              <a:t>Docker Container Image: is a lightweight, standalone, executable package of software that includes everything  need to run an application: code, runtime, system tools, system libraries and settings</a:t>
-            </a:r>
-            <a:endParaRPr lang="en-US" altLang="en-GB" b="1">
-              <a:sym typeface="+mn-ea"/>
-            </a:endParaRPr>
-          </a:p>
-          <a:p>
-            <a:pPr marL="457200" lvl="0" indent="-342900" algn="l" rtl="0">
-              <a:spcBef>
-                <a:spcPts val="0"/>
-              </a:spcBef>
-              <a:spcAft>
-                <a:spcPts val="0"/>
-              </a:spcAft>
-              <a:buSzPts val="1800"/>
-              <a:buChar char="+"/>
-            </a:pPr>
-            <a:r>
-              <a:rPr lang="en-US" altLang="en-GB" b="1">
-                <a:sym typeface="+mn-ea"/>
-              </a:rPr>
-              <a:t>Images become Containers at runtime when they run on Docker engine. Container is an instance of image to run a specific application. </a:t>
-            </a:r>
-            <a:endParaRPr lang="en-US" altLang="en-GB" b="1">
-              <a:sym typeface="+mn-ea"/>
-            </a:endParaRPr>
-          </a:p>
-          <a:p>
-            <a:pPr marL="457200" lvl="0" indent="-342900" algn="l" rtl="0">
-              <a:spcBef>
-                <a:spcPts val="0"/>
-              </a:spcBef>
-              <a:spcAft>
-                <a:spcPts val="0"/>
-              </a:spcAft>
-              <a:buSzPts val="1800"/>
-              <a:buChar char="+"/>
-            </a:pPr>
-            <a:r>
-              <a:rPr lang="en-US" altLang="en-GB" b="1">
-                <a:sym typeface="+mn-ea"/>
-              </a:rPr>
-              <a:t>Docker Container are everywhere, It can run on Linux, Windows, Data Center, Cloud, Serverless...</a:t>
-            </a:r>
+              <a:buNone/>
+            </a:pPr>
             <a:endParaRPr lang="en-US" b="1">
               <a:solidFill>
                 <a:srgbClr val="B45F06"/>
@@ -13296,6 +11940,54 @@
           </a:p>
         </p:txBody>
       </p:sp>
+      <p:pic>
+        <p:nvPicPr>
+          <p:cNvPr id="2" name="Picture 1"/>
+          <p:cNvPicPr>
+            <a:picLocks noChangeAspect="1"/>
+          </p:cNvPicPr>
+          <p:nvPr/>
+        </p:nvPicPr>
+        <p:blipFill>
+          <a:blip r:embed="rId1"/>
+          <a:stretch>
+            <a:fillRect/>
+          </a:stretch>
+        </p:blipFill>
+        <p:spPr>
+          <a:xfrm>
+            <a:off x="375920" y="2404110"/>
+            <a:ext cx="4502150" cy="891540"/>
+          </a:xfrm>
+          <a:prstGeom prst="rect">
+            <a:avLst/>
+          </a:prstGeom>
+        </p:spPr>
+      </p:pic>
+      <p:pic>
+        <p:nvPicPr>
+          <p:cNvPr id="3" name="Picture 2"/>
+          <p:cNvPicPr>
+            <a:picLocks noChangeAspect="1"/>
+          </p:cNvPicPr>
+          <p:nvPr/>
+        </p:nvPicPr>
+        <p:blipFill>
+          <a:blip r:embed="rId2"/>
+          <a:stretch>
+            <a:fillRect/>
+          </a:stretch>
+        </p:blipFill>
+        <p:spPr>
+          <a:xfrm>
+            <a:off x="5126355" y="831215"/>
+            <a:ext cx="3705860" cy="3350260"/>
+          </a:xfrm>
+          <a:prstGeom prst="rect">
+            <a:avLst/>
+          </a:prstGeom>
+        </p:spPr>
+      </p:pic>
     </p:spTree>
   </p:cSld>
   <p:clrMapOvr>
@@ -13355,10 +12047,8 @@
               <a:buNone/>
             </a:pPr>
             <a:r>
-              <a:rPr lang="en-US" sz="2935">
-                <a:sym typeface="+mn-ea"/>
-              </a:rPr>
-              <a:t>Containers vs Virtual Machines</a:t>
+              <a:rPr lang="en-US" sz="2940"/>
+              <a:t>Multi-Command Container</a:t>
             </a:r>
             <a:endParaRPr lang="en-US" sz="2940" b="0">
               <a:solidFill>
@@ -13378,8 +12068,8 @@
         </p:nvSpPr>
         <p:spPr>
           <a:xfrm>
-            <a:off x="311785" y="3151505"/>
-            <a:ext cx="8520430" cy="1417320"/>
+            <a:off x="311785" y="831850"/>
+            <a:ext cx="4762500" cy="2052955"/>
           </a:xfrm>
           <a:prstGeom prst="rect">
             <a:avLst/>
@@ -13387,11 +12077,10 @@
         </p:spPr>
         <p:txBody>
           <a:bodyPr spcFirstLastPara="1" wrap="square" lIns="91425" tIns="91425" rIns="91425" bIns="91425" anchor="t" anchorCtr="0">
-            <a:normAutofit/>
+            <a:normAutofit lnSpcReduction="10000"/>
           </a:bodyPr>
-          <a:lstStyle/>
-          <a:p>
-            <a:pPr marL="457200" lvl="0" indent="-342900" algn="l" rtl="0">
+          <a:p>
+            <a:pPr marL="114300" lvl="0" indent="0" algn="l" rtl="0">
               <a:spcBef>
                 <a:spcPts val="0"/>
               </a:spcBef>
@@ -13399,35 +12088,8 @@
                 <a:spcPts val="0"/>
               </a:spcAft>
               <a:buSzPts val="1800"/>
-              <a:buChar char="+"/>
-            </a:pPr>
-            <a:r>
-              <a:rPr lang="en-US" altLang="en-GB" b="1">
-                <a:sym typeface="+mn-ea"/>
-              </a:rPr>
-              <a:t>Both of them are similar resource isolation and allocation benefits</a:t>
-            </a:r>
-            <a:endParaRPr lang="en-US" altLang="en-GB" b="1">
-              <a:sym typeface="+mn-ea"/>
-            </a:endParaRPr>
-          </a:p>
-          <a:p>
-            <a:pPr marL="457200" lvl="0" indent="-342900" algn="l" rtl="0">
-              <a:spcBef>
-                <a:spcPts val="0"/>
-              </a:spcBef>
-              <a:spcAft>
-                <a:spcPts val="0"/>
-              </a:spcAft>
-              <a:buSzPts val="1800"/>
-              <a:buChar char="+"/>
-            </a:pPr>
-            <a:r>
-              <a:rPr lang="en-US" altLang="en-GB" b="1">
-                <a:sym typeface="+mn-ea"/>
-              </a:rPr>
-              <a:t>The Container virtualizes the operating system instead of hardware. Containers are more portable, lightweight and efficient</a:t>
-            </a:r>
+              <a:buNone/>
+            </a:pPr>
             <a:endParaRPr lang="en-US" b="1">
               <a:solidFill>
                 <a:srgbClr val="B45F06"/>
@@ -13438,7 +12100,7 @@
       </p:sp>
       <p:pic>
         <p:nvPicPr>
-          <p:cNvPr id="2" name="Picture 1"/>
+          <p:cNvPr id="1" name="Picture 0"/>
           <p:cNvPicPr>
             <a:picLocks noChangeAspect="1"/>
           </p:cNvPicPr>
@@ -13452,8 +12114,56 @@
         </p:blipFill>
         <p:spPr>
           <a:xfrm>
-            <a:off x="1691640" y="831215"/>
-            <a:ext cx="5487670" cy="2263140"/>
+            <a:off x="5549265" y="751205"/>
+            <a:ext cx="3282950" cy="3458845"/>
+          </a:xfrm>
+          <a:prstGeom prst="rect">
+            <a:avLst/>
+          </a:prstGeom>
+        </p:spPr>
+      </p:pic>
+      <p:pic>
+        <p:nvPicPr>
+          <p:cNvPr id="4" name="Picture 3"/>
+          <p:cNvPicPr>
+            <a:picLocks noChangeAspect="1"/>
+          </p:cNvPicPr>
+          <p:nvPr/>
+        </p:nvPicPr>
+        <p:blipFill>
+          <a:blip r:embed="rId2"/>
+          <a:stretch>
+            <a:fillRect/>
+          </a:stretch>
+        </p:blipFill>
+        <p:spPr>
+          <a:xfrm>
+            <a:off x="495935" y="899795"/>
+            <a:ext cx="4972685" cy="1285875"/>
+          </a:xfrm>
+          <a:prstGeom prst="rect">
+            <a:avLst/>
+          </a:prstGeom>
+        </p:spPr>
+      </p:pic>
+      <p:pic>
+        <p:nvPicPr>
+          <p:cNvPr id="6" name="Picture 5"/>
+          <p:cNvPicPr>
+            <a:picLocks noChangeAspect="1"/>
+          </p:cNvPicPr>
+          <p:nvPr/>
+        </p:nvPicPr>
+        <p:blipFill>
+          <a:blip r:embed="rId3"/>
+          <a:stretch>
+            <a:fillRect/>
+          </a:stretch>
+        </p:blipFill>
+        <p:spPr>
+          <a:xfrm>
+            <a:off x="486410" y="2447925"/>
+            <a:ext cx="4982210" cy="1578610"/>
           </a:xfrm>
           <a:prstGeom prst="rect">
             <a:avLst/>
@@ -13519,10 +12229,8 @@
               <a:buNone/>
             </a:pPr>
             <a:r>
-              <a:rPr lang="en-US" sz="2935">
-                <a:sym typeface="+mn-ea"/>
-              </a:rPr>
-              <a:t>Why is Docker</a:t>
+              <a:rPr lang="en-US" sz="2940"/>
+              <a:t>The purpose of the “IT” flag</a:t>
             </a:r>
             <a:endParaRPr lang="en-US" sz="2940" b="0">
               <a:solidFill>
@@ -13543,7 +12251,7 @@
         <p:spPr>
           <a:xfrm>
             <a:off x="311785" y="831850"/>
-            <a:ext cx="8520430" cy="3736975"/>
+            <a:ext cx="4762500" cy="2052955"/>
           </a:xfrm>
           <a:prstGeom prst="rect">
             <a:avLst/>
@@ -13551,9 +12259,8 @@
         </p:spPr>
         <p:txBody>
           <a:bodyPr spcFirstLastPara="1" wrap="square" lIns="91425" tIns="91425" rIns="91425" bIns="91425" anchor="t" anchorCtr="0">
-            <a:normAutofit/>
+            <a:normAutofit lnSpcReduction="10000"/>
           </a:bodyPr>
-          <a:lstStyle/>
           <a:p>
             <a:pPr marL="457200" lvl="0" indent="-342900" algn="l" rtl="0">
               <a:spcBef>
@@ -13569,14 +12276,14 @@
               <a:rPr lang="en-US" altLang="en-GB" b="1">
                 <a:sym typeface="+mn-ea"/>
               </a:rPr>
-              <a:t>Container use shared operationg systems. This means they are much more efficient then HyperVisor in the system resource terms</a:t>
+              <a:t>try to run redis-cli but it’s not working because the command run outside the container</a:t>
             </a:r>
             <a:endParaRPr lang="en-US" altLang="en-GB" b="1">
               <a:sym typeface="+mn-ea"/>
             </a:endParaRPr>
           </a:p>
           <a:p>
-            <a:pPr marL="457200" lvl="0" indent="-342900" algn="l" rtl="0">
+            <a:pPr marL="114300" lvl="0" indent="0" algn="l" rtl="0">
               <a:spcBef>
                 <a:spcPts val="0"/>
               </a:spcBef>
@@ -13584,77 +12291,8 @@
                 <a:spcPts val="0"/>
               </a:spcAft>
               <a:buSzPts val="1800"/>
-              <a:buChar char="+"/>
-            </a:pPr>
-            <a:r>
-              <a:rPr lang="en-US" altLang="en-GB" b="1">
-                <a:sym typeface="+mn-ea"/>
-              </a:rPr>
-              <a:t>Docker allows developer easily pack, ship, and run any applications as a lightweight, portable, which can run virtually anywhere</a:t>
-            </a:r>
-            <a:endParaRPr lang="en-US" altLang="en-GB" b="1">
-              <a:sym typeface="+mn-ea"/>
-            </a:endParaRPr>
-          </a:p>
-          <a:p>
-            <a:pPr marL="457200" lvl="0" indent="-342900" algn="l" rtl="0">
-              <a:spcBef>
-                <a:spcPts val="0"/>
-              </a:spcBef>
-              <a:spcAft>
-                <a:spcPts val="0"/>
-              </a:spcAft>
-              <a:buSzPts val="1800"/>
-              <a:buChar char="+"/>
-            </a:pPr>
-            <a:r>
-              <a:rPr lang="en-US" altLang="en-GB" b="1">
-                <a:sym typeface="+mn-ea"/>
-              </a:rPr>
-              <a:t>Container enables developers to isolate code into a single container. It makes easier to modify and update the program</a:t>
-            </a:r>
-            <a:endParaRPr lang="en-US" altLang="en-GB" b="1">
-              <a:sym typeface="+mn-ea"/>
-            </a:endParaRPr>
-          </a:p>
-          <a:p>
-            <a:pPr marL="457200" lvl="0" indent="-342900" algn="l" rtl="0">
-              <a:spcBef>
-                <a:spcPts val="0"/>
-              </a:spcBef>
-              <a:spcAft>
-                <a:spcPts val="0"/>
-              </a:spcAft>
-              <a:buSzPts val="1800"/>
-              <a:buChar char="+"/>
-            </a:pPr>
-            <a:r>
-              <a:rPr lang="en-US" altLang="en-GB" b="1">
-                <a:sym typeface="+mn-ea"/>
-              </a:rPr>
-              <a:t>Docker supports CI/CD so we can deploy an application quickly</a:t>
-            </a:r>
-            <a:endParaRPr lang="en-US" altLang="en-GB" b="1">
-              <a:sym typeface="+mn-ea"/>
-            </a:endParaRPr>
-          </a:p>
-          <a:p>
-            <a:pPr marL="457200" lvl="0" indent="-342900" algn="l" rtl="0">
-              <a:spcBef>
-                <a:spcPts val="0"/>
-              </a:spcBef>
-              <a:spcAft>
-                <a:spcPts val="0"/>
-              </a:spcAft>
-              <a:buSzPts val="1800"/>
-              <a:buChar char="+"/>
-            </a:pPr>
-            <a:r>
-              <a:rPr lang="en-US" altLang="en-GB" b="1">
-                <a:sym typeface="+mn-ea"/>
-              </a:rPr>
-              <a:t>Docker Containers are easy to deploy in a cloud</a:t>
-            </a:r>
+              <a:buNone/>
+            </a:pPr>
             <a:endParaRPr lang="en-US" b="1">
               <a:solidFill>
                 <a:srgbClr val="B45F06"/>
@@ -13663,6 +12301,54 @@
           </a:p>
         </p:txBody>
       </p:sp>
+      <p:pic>
+        <p:nvPicPr>
+          <p:cNvPr id="2" name="Picture 1"/>
+          <p:cNvPicPr>
+            <a:picLocks noChangeAspect="1"/>
+          </p:cNvPicPr>
+          <p:nvPr/>
+        </p:nvPicPr>
+        <p:blipFill>
+          <a:blip r:embed="rId1"/>
+          <a:stretch>
+            <a:fillRect/>
+          </a:stretch>
+        </p:blipFill>
+        <p:spPr>
+          <a:xfrm>
+            <a:off x="375920" y="2404110"/>
+            <a:ext cx="4502150" cy="891540"/>
+          </a:xfrm>
+          <a:prstGeom prst="rect">
+            <a:avLst/>
+          </a:prstGeom>
+        </p:spPr>
+      </p:pic>
+      <p:pic>
+        <p:nvPicPr>
+          <p:cNvPr id="3" name="Picture 2"/>
+          <p:cNvPicPr>
+            <a:picLocks noChangeAspect="1"/>
+          </p:cNvPicPr>
+          <p:nvPr/>
+        </p:nvPicPr>
+        <p:blipFill>
+          <a:blip r:embed="rId2"/>
+          <a:stretch>
+            <a:fillRect/>
+          </a:stretch>
+        </p:blipFill>
+        <p:spPr>
+          <a:xfrm>
+            <a:off x="5126355" y="831215"/>
+            <a:ext cx="3705860" cy="3350260"/>
+          </a:xfrm>
+          <a:prstGeom prst="rect">
+            <a:avLst/>
+          </a:prstGeom>
+        </p:spPr>
+      </p:pic>
     </p:spTree>
   </p:cSld>
   <p:clrMapOvr>
@@ -13722,10 +12408,8 @@
               <a:buNone/>
             </a:pPr>
             <a:r>
-              <a:rPr lang="en-US" sz="2935">
-                <a:sym typeface="+mn-ea"/>
-              </a:rPr>
-              <a:t>Docker Architechture</a:t>
+              <a:rPr lang="en-US" sz="2940"/>
+              <a:t>The purpose of the “IT” flag</a:t>
             </a:r>
             <a:endParaRPr lang="en-US" sz="2940" b="0">
               <a:solidFill>
@@ -13745,8 +12429,8 @@
         </p:nvSpPr>
         <p:spPr>
           <a:xfrm>
-            <a:off x="311785" y="831215"/>
-            <a:ext cx="5043805" cy="3736975"/>
+            <a:off x="311785" y="831850"/>
+            <a:ext cx="5139055" cy="1371600"/>
           </a:xfrm>
           <a:prstGeom prst="rect">
             <a:avLst/>
@@ -13754,9 +12438,8 @@
         </p:spPr>
         <p:txBody>
           <a:bodyPr spcFirstLastPara="1" wrap="square" lIns="91425" tIns="91425" rIns="91425" bIns="91425" anchor="t" anchorCtr="0">
-            <a:normAutofit fontScale="80000"/>
+            <a:normAutofit lnSpcReduction="10000"/>
           </a:bodyPr>
-          <a:lstStyle/>
           <a:p>
             <a:pPr marL="457200" lvl="0" indent="-342900" algn="l" rtl="0">
               <a:spcBef>
@@ -13772,7 +12455,7 @@
               <a:rPr lang="en-US" altLang="en-GB" b="1">
                 <a:sym typeface="+mn-ea"/>
               </a:rPr>
-              <a:t>Uses a client-server architechture</a:t>
+              <a:t>-i: make sure that any stuff that you type gets direct to STDIN</a:t>
             </a:r>
             <a:endParaRPr lang="en-US" altLang="en-GB" b="1">
               <a:sym typeface="+mn-ea"/>
@@ -13793,70 +12476,7 @@
               <a:rPr lang="en-US" altLang="en-GB" b="1">
                 <a:sym typeface="+mn-ea"/>
               </a:rPr>
-              <a:t>Docker Client talks to Docker Daemon, which does the heavy lifting fo building, running, and distributing your docker containers.</a:t>
-            </a:r>
-            <a:endParaRPr lang="en-US" altLang="en-GB" b="1">
-              <a:sym typeface="+mn-ea"/>
-            </a:endParaRPr>
-          </a:p>
-          <a:p>
-            <a:pPr marL="457200" lvl="0" indent="-342900" algn="l" rtl="0">
-              <a:spcBef>
-                <a:spcPts val="0"/>
-              </a:spcBef>
-              <a:spcAft>
-                <a:spcPts val="0"/>
-              </a:spcAft>
-              <a:buSzPts val="1800"/>
-              <a:buChar char="+"/>
-            </a:pPr>
-            <a:r>
-              <a:rPr lang="en-US" altLang="en-GB" b="1">
-                <a:sym typeface="+mn-ea"/>
-              </a:rPr>
-              <a:t>Docker client and Deamon can run on the same system or you can connect a docker client to a remote docker deamon.</a:t>
-            </a:r>
-            <a:endParaRPr lang="en-US" altLang="en-GB" b="1">
-              <a:sym typeface="+mn-ea"/>
-            </a:endParaRPr>
-          </a:p>
-          <a:p>
-            <a:pPr marL="457200" lvl="0" indent="-342900" algn="l" rtl="0">
-              <a:spcBef>
-                <a:spcPts val="0"/>
-              </a:spcBef>
-              <a:spcAft>
-                <a:spcPts val="0"/>
-              </a:spcAft>
-              <a:buSzPts val="1800"/>
-              <a:buChar char="+"/>
-            </a:pPr>
-            <a:r>
-              <a:rPr lang="en-US" altLang="en-GB" b="1">
-                <a:sym typeface="+mn-ea"/>
-              </a:rPr>
-              <a:t>Docker client and daemon communicate using a REST API, over UNIX sockets or a network interface</a:t>
-            </a:r>
-            <a:endParaRPr lang="en-US" altLang="en-GB" b="1">
-              <a:sym typeface="+mn-ea"/>
-            </a:endParaRPr>
-          </a:p>
-          <a:p>
-            <a:pPr marL="457200" lvl="0" indent="-342900" algn="l" rtl="0">
-              <a:spcBef>
-                <a:spcPts val="0"/>
-              </a:spcBef>
-              <a:spcAft>
-                <a:spcPts val="0"/>
-              </a:spcAft>
-              <a:buSzPts val="1800"/>
-              <a:buChar char="+"/>
-            </a:pPr>
-            <a:r>
-              <a:rPr lang="en-US" altLang="en-GB" b="1">
-                <a:sym typeface="+mn-ea"/>
-              </a:rPr>
-              <a:t>Another docker client is Docker Compose, that lets you work with applications consisting of a set of containers</a:t>
+              <a:t>-t: help to show up the result pretty </a:t>
             </a:r>
             <a:endParaRPr lang="en-US" b="1">
               <a:solidFill>
@@ -13868,7 +12488,7 @@
       </p:sp>
       <p:pic>
         <p:nvPicPr>
-          <p:cNvPr id="2" name="Picture 1"/>
+          <p:cNvPr id="1" name="Picture 0"/>
           <p:cNvPicPr>
             <a:picLocks noChangeAspect="1"/>
           </p:cNvPicPr>
@@ -13882,8 +12502,32 @@
         </p:blipFill>
         <p:spPr>
           <a:xfrm>
-            <a:off x="5419090" y="1329690"/>
-            <a:ext cx="3499485" cy="1831340"/>
+            <a:off x="5523230" y="1506855"/>
+            <a:ext cx="3381375" cy="2924175"/>
+          </a:xfrm>
+          <a:prstGeom prst="rect">
+            <a:avLst/>
+          </a:prstGeom>
+        </p:spPr>
+      </p:pic>
+      <p:pic>
+        <p:nvPicPr>
+          <p:cNvPr id="4" name="Picture 3"/>
+          <p:cNvPicPr>
+            <a:picLocks noChangeAspect="1"/>
+          </p:cNvPicPr>
+          <p:nvPr/>
+        </p:nvPicPr>
+        <p:blipFill>
+          <a:blip r:embed="rId2"/>
+          <a:stretch>
+            <a:fillRect/>
+          </a:stretch>
+        </p:blipFill>
+        <p:spPr>
+          <a:xfrm>
+            <a:off x="409575" y="2204085"/>
+            <a:ext cx="5113655" cy="2226945"/>
           </a:xfrm>
           <a:prstGeom prst="rect">
             <a:avLst/>
@@ -13949,10 +12593,8 @@
               <a:buNone/>
             </a:pPr>
             <a:r>
-              <a:rPr lang="en-US" sz="2935">
-                <a:sym typeface="+mn-ea"/>
-              </a:rPr>
-              <a:t>Docker Architechture - Docker daemon</a:t>
+              <a:rPr lang="en-US" sz="2940"/>
+              <a:t>Getting a Command Prompt in a Container</a:t>
             </a:r>
             <a:endParaRPr lang="en-US" sz="2940" b="0">
               <a:solidFill>
@@ -13972,8 +12614,8 @@
         </p:nvSpPr>
         <p:spPr>
           <a:xfrm>
-            <a:off x="311785" y="831215"/>
-            <a:ext cx="4981575" cy="3736975"/>
+            <a:off x="311785" y="831850"/>
+            <a:ext cx="8520430" cy="2052955"/>
           </a:xfrm>
           <a:prstGeom prst="rect">
             <a:avLst/>
@@ -13981,11 +12623,10 @@
         </p:spPr>
         <p:txBody>
           <a:bodyPr spcFirstLastPara="1" wrap="square" lIns="91425" tIns="91425" rIns="91425" bIns="91425" anchor="t" anchorCtr="0">
-            <a:normAutofit/>
+            <a:normAutofit lnSpcReduction="10000"/>
           </a:bodyPr>
-          <a:lstStyle/>
-          <a:p>
-            <a:pPr marL="457200" lvl="0" indent="-342900" algn="l" rtl="0">
+          <a:p>
+            <a:pPr marL="114300" lvl="0" indent="0" algn="l" rtl="0">
               <a:spcBef>
                 <a:spcPts val="0"/>
               </a:spcBef>
@@ -13993,13 +12634,13 @@
                 <a:spcPts val="0"/>
               </a:spcAft>
               <a:buSzPts val="1800"/>
-              <a:buChar char="+"/>
+              <a:buNone/>
             </a:pPr>
             <a:r>
               <a:rPr lang="en-US" altLang="en-GB" b="1">
                 <a:sym typeface="+mn-ea"/>
               </a:rPr>
-              <a:t>Docker Daemon listens for Docker APIs requests and manages Docker objects such as images, containers, networks and volumes</a:t>
+              <a:t>&gt;&gt; docker exec -it &lt;container_id&gt; sh</a:t>
             </a:r>
             <a:endParaRPr lang="en-US" altLang="en-GB" b="1">
               <a:sym typeface="+mn-ea"/>
@@ -14020,23 +12661,8 @@
               <a:rPr lang="en-US" altLang="en-GB" b="1">
                 <a:sym typeface="+mn-ea"/>
               </a:rPr>
-              <a:t>A docker daemon can also communicate with other daemons to manage docker services</a:t>
+              <a:t>open a Command Prompt to execute some command</a:t>
             </a:r>
-            <a:endParaRPr lang="en-US" altLang="en-GB" b="1">
-              <a:sym typeface="+mn-ea"/>
-            </a:endParaRPr>
-          </a:p>
-          <a:p>
-            <a:pPr marL="457200" lvl="0" indent="-342900" algn="l" rtl="0">
-              <a:spcBef>
-                <a:spcPts val="0"/>
-              </a:spcBef>
-              <a:spcAft>
-                <a:spcPts val="0"/>
-              </a:spcAft>
-              <a:buSzPts val="1800"/>
-              <a:buChar char="+"/>
-            </a:pPr>
             <a:endParaRPr lang="en-US" b="1">
               <a:solidFill>
                 <a:srgbClr val="B45F06"/>
@@ -14047,7 +12673,7 @@
       </p:sp>
       <p:pic>
         <p:nvPicPr>
-          <p:cNvPr id="2" name="Picture 1"/>
+          <p:cNvPr id="1" name="Picture 0"/>
           <p:cNvPicPr>
             <a:picLocks noChangeAspect="1"/>
           </p:cNvPicPr>
@@ -14061,8 +12687,8 @@
         </p:blipFill>
         <p:spPr>
           <a:xfrm>
-            <a:off x="5711825" y="831215"/>
-            <a:ext cx="3072765" cy="3546475"/>
+            <a:off x="1980565" y="2148840"/>
+            <a:ext cx="4569460" cy="2492375"/>
           </a:xfrm>
           <a:prstGeom prst="rect">
             <a:avLst/>
@@ -14128,10 +12754,8 @@
               <a:buNone/>
             </a:pPr>
             <a:r>
-              <a:rPr lang="en-US" sz="2935">
-                <a:sym typeface="+mn-ea"/>
-              </a:rPr>
-              <a:t>Docker Architechture - Docker client</a:t>
+              <a:rPr lang="en-US" sz="2940"/>
+              <a:t>Getting a Command Prompt in a Container</a:t>
             </a:r>
             <a:endParaRPr lang="en-US" sz="2940" b="0">
               <a:solidFill>
@@ -14151,8 +12775,8 @@
         </p:nvSpPr>
         <p:spPr>
           <a:xfrm>
-            <a:off x="311785" y="831215"/>
-            <a:ext cx="5002530" cy="3736975"/>
+            <a:off x="311785" y="831850"/>
+            <a:ext cx="8520430" cy="2052955"/>
           </a:xfrm>
           <a:prstGeom prst="rect">
             <a:avLst/>
@@ -14160,11 +12784,10 @@
         </p:spPr>
         <p:txBody>
           <a:bodyPr spcFirstLastPara="1" wrap="square" lIns="91425" tIns="91425" rIns="91425" bIns="91425" anchor="t" anchorCtr="0">
-            <a:normAutofit/>
+            <a:normAutofit lnSpcReduction="10000"/>
           </a:bodyPr>
-          <a:lstStyle/>
-          <a:p>
-            <a:pPr marL="457200" lvl="0" indent="-342900" algn="l" rtl="0">
+          <a:p>
+            <a:pPr marL="114300" lvl="0" indent="0" algn="l" rtl="0">
               <a:spcBef>
                 <a:spcPts val="0"/>
               </a:spcBef>
@@ -14172,13 +12795,13 @@
                 <a:spcPts val="0"/>
               </a:spcAft>
               <a:buSzPts val="1800"/>
-              <a:buChar char="+"/>
+              <a:buNone/>
             </a:pPr>
             <a:r>
               <a:rPr lang="en-US" altLang="en-GB" b="1">
                 <a:sym typeface="+mn-ea"/>
               </a:rPr>
-              <a:t>Docker client is the primary way that many docker users interact with Docker by using a command</a:t>
+              <a:t>&gt;&gt; sh</a:t>
             </a:r>
             <a:endParaRPr lang="en-US" altLang="en-GB" b="1">
               <a:sym typeface="+mn-ea"/>
@@ -14199,7 +12822,7 @@
               <a:rPr lang="en-US" altLang="en-GB" b="1">
                 <a:sym typeface="+mn-ea"/>
               </a:rPr>
-              <a:t>The docker command use the Docker API</a:t>
+              <a:t>Is a name of 	a program and it’s a program that has been executed inside of that container</a:t>
             </a:r>
             <a:endParaRPr lang="en-US" altLang="en-GB" b="1">
               <a:sym typeface="+mn-ea"/>
@@ -14220,23 +12843,8 @@
               <a:rPr lang="en-US" altLang="en-GB" b="1">
                 <a:sym typeface="+mn-ea"/>
               </a:rPr>
-              <a:t>The docker client can communicate with other than one daemon</a:t>
+              <a:t>Open a Command Prompt to execute some command inside a container</a:t>
             </a:r>
-            <a:endParaRPr lang="en-US" altLang="en-GB" b="1">
-              <a:sym typeface="+mn-ea"/>
-            </a:endParaRPr>
-          </a:p>
-          <a:p>
-            <a:pPr marL="114300" lvl="0" indent="0" algn="l" rtl="0">
-              <a:spcBef>
-                <a:spcPts val="0"/>
-              </a:spcBef>
-              <a:spcAft>
-                <a:spcPts val="0"/>
-              </a:spcAft>
-              <a:buSzPts val="1800"/>
-              <a:buNone/>
-            </a:pPr>
             <a:endParaRPr lang="en-US" b="1">
               <a:solidFill>
                 <a:srgbClr val="B45F06"/>
@@ -14247,7 +12855,7 @@
       </p:sp>
       <p:pic>
         <p:nvPicPr>
-          <p:cNvPr id="2" name="Picture 1"/>
+          <p:cNvPr id="3" name="Picture 2"/>
           <p:cNvPicPr>
             <a:picLocks noChangeAspect="1"/>
           </p:cNvPicPr>
@@ -14261,8 +12869,8 @@
         </p:blipFill>
         <p:spPr>
           <a:xfrm>
-            <a:off x="5547995" y="905510"/>
-            <a:ext cx="3133090" cy="3159760"/>
+            <a:off x="1933575" y="2790190"/>
+            <a:ext cx="5276850" cy="1971675"/>
           </a:xfrm>
           <a:prstGeom prst="rect">
             <a:avLst/>
@@ -14328,10 +12936,8 @@
               <a:buNone/>
             </a:pPr>
             <a:r>
-              <a:rPr lang="en-US" sz="2935">
-                <a:sym typeface="+mn-ea"/>
-              </a:rPr>
-              <a:t>Docker Architechture - Registry</a:t>
+              <a:rPr lang="en-US" sz="2940"/>
+              <a:t>Starting with a Shell</a:t>
             </a:r>
             <a:endParaRPr lang="en-US" sz="2940" b="0">
               <a:solidFill>
@@ -14351,8 +12957,8 @@
         </p:nvSpPr>
         <p:spPr>
           <a:xfrm>
-            <a:off x="311785" y="831215"/>
-            <a:ext cx="4970780" cy="3736975"/>
+            <a:off x="311785" y="831850"/>
+            <a:ext cx="8520430" cy="2052955"/>
           </a:xfrm>
           <a:prstGeom prst="rect">
             <a:avLst/>
@@ -14360,11 +12966,10 @@
         </p:spPr>
         <p:txBody>
           <a:bodyPr spcFirstLastPara="1" wrap="square" lIns="91425" tIns="91425" rIns="91425" bIns="91425" anchor="t" anchorCtr="0">
-            <a:normAutofit/>
+            <a:normAutofit lnSpcReduction="10000"/>
           </a:bodyPr>
-          <a:lstStyle/>
-          <a:p>
-            <a:pPr marL="457200" lvl="0" indent="-342900" algn="l" rtl="0">
+          <a:p>
+            <a:pPr marL="114300" lvl="0" indent="0" algn="l" rtl="0">
               <a:spcBef>
                 <a:spcPts val="0"/>
               </a:spcBef>
@@ -14372,13 +12977,13 @@
                 <a:spcPts val="0"/>
               </a:spcAft>
               <a:buSzPts val="1800"/>
-              <a:buChar char="+"/>
+              <a:buNone/>
             </a:pPr>
             <a:r>
               <a:rPr lang="en-US" altLang="en-GB" b="1">
                 <a:sym typeface="+mn-ea"/>
               </a:rPr>
-              <a:t>A Docker registry stores Docker Images</a:t>
+              <a:t>&gt;&gt; docker run &lt;image_name&gt; --it sh</a:t>
             </a:r>
             <a:endParaRPr lang="en-US" altLang="en-GB" b="1">
               <a:sym typeface="+mn-ea"/>
@@ -14399,28 +13004,7 @@
               <a:rPr lang="en-US" altLang="en-GB" b="1">
                 <a:sym typeface="+mn-ea"/>
               </a:rPr>
-              <a:t>Docker Hub is a public registry that anyone can use</a:t>
-            </a:r>
-            <a:endParaRPr lang="en-US" altLang="en-GB" b="1">
-              <a:sym typeface="+mn-ea"/>
-            </a:endParaRPr>
-          </a:p>
-          <a:p>
-            <a:pPr marL="457200" lvl="0" indent="-342900" algn="l" rtl="0">
-              <a:spcBef>
-                <a:spcPts val="0"/>
-              </a:spcBef>
-              <a:spcAft>
-                <a:spcPts val="0"/>
-              </a:spcAft>
-              <a:buSzPts val="1800"/>
-              <a:buChar char="+"/>
-            </a:pPr>
-            <a:r>
-              <a:rPr lang="en-US" altLang="en-GB" b="1">
-                <a:sym typeface="+mn-ea"/>
-              </a:rPr>
-              <a:t>Docker is configured to look for images on Docker Hub by default</a:t>
+              <a:t>Start a new shell when run new container</a:t>
             </a:r>
             <a:endParaRPr lang="en-US" b="1">
               <a:solidFill>
@@ -14446,8 +13030,8 @@
         </p:blipFill>
         <p:spPr>
           <a:xfrm>
-            <a:off x="5437505" y="831215"/>
-            <a:ext cx="3218815" cy="3079750"/>
+            <a:off x="2071370" y="1809750"/>
+            <a:ext cx="5000625" cy="2543175"/>
           </a:xfrm>
           <a:prstGeom prst="rect">
             <a:avLst/>
@@ -14513,10 +13097,8 @@
               <a:buNone/>
             </a:pPr>
             <a:r>
-              <a:rPr lang="en-US" sz="2935">
-                <a:sym typeface="+mn-ea"/>
-              </a:rPr>
-              <a:t>Docker Installation</a:t>
+              <a:rPr lang="en-US" sz="2940"/>
+              <a:t>Starting with a Shell</a:t>
             </a:r>
             <a:endParaRPr lang="en-US" sz="2940" b="0">
               <a:solidFill>
@@ -14526,123 +13108,54 @@
           </a:p>
         </p:txBody>
       </p:sp>
-      <p:sp>
-        <p:nvSpPr>
-          <p:cNvPr id="79" name="Google Shape;79;p15"/>
-          <p:cNvSpPr txBox="1"/>
-          <p:nvPr>
-            <p:ph type="body" idx="1"/>
-          </p:nvPr>
-        </p:nvSpPr>
-        <p:spPr>
-          <a:xfrm>
-            <a:off x="311785" y="831215"/>
-            <a:ext cx="8216265" cy="3736975"/>
-          </a:xfrm>
-          <a:prstGeom prst="rect">
-            <a:avLst/>
-          </a:prstGeom>
-        </p:spPr>
-        <p:txBody>
-          <a:bodyPr spcFirstLastPara="1" wrap="square" lIns="91425" tIns="91425" rIns="91425" bIns="91425" anchor="t" anchorCtr="0">
-            <a:normAutofit/>
-          </a:bodyPr>
-          <a:lstStyle/>
-          <a:p>
-            <a:pPr marL="457200" lvl="0" indent="-342900" algn="l" rtl="0">
-              <a:spcBef>
-                <a:spcPts val="0"/>
-              </a:spcBef>
-              <a:spcAft>
-                <a:spcPts val="0"/>
-              </a:spcAft>
-              <a:buSzPts val="1800"/>
-              <a:buChar char="+"/>
-            </a:pPr>
-            <a:r>
-              <a:rPr lang="en-US" altLang="en-GB" b="1">
-                <a:sym typeface="+mn-ea"/>
-              </a:rPr>
-              <a:t>Windows 10 Pro and some Windows 10 Home users will be able to install Docker desktop if their computer supports the </a:t>
-            </a:r>
-            <a:r>
-              <a:rPr lang="en-US" altLang="en-GB" b="1">
-                <a:sym typeface="+mn-ea"/>
-                <a:hlinkClick r:id="rId1" action="ppaction://hlinkfile"/>
-              </a:rPr>
-              <a:t>Windows Subsystem for Linux (WSL2)</a:t>
-            </a:r>
-            <a:endParaRPr lang="en-US" altLang="en-GB" b="1">
-              <a:sym typeface="+mn-ea"/>
-              <a:hlinkClick r:id="rId1" action="ppaction://hlinkfile"/>
-            </a:endParaRPr>
-          </a:p>
-          <a:p>
-            <a:pPr marL="457200" lvl="0" indent="-342900" algn="l" rtl="0">
-              <a:spcBef>
-                <a:spcPts val="0"/>
-              </a:spcBef>
-              <a:spcAft>
-                <a:spcPts val="0"/>
-              </a:spcAft>
-              <a:buSzPts val="1800"/>
-              <a:buChar char="+"/>
-            </a:pPr>
-            <a:r>
-              <a:rPr lang="en-US" altLang="en-GB" b="1">
-                <a:sym typeface="+mn-ea"/>
-              </a:rPr>
-              <a:t>After completely installed WSL2, Then install </a:t>
-            </a:r>
-            <a:r>
-              <a:rPr lang="en-US" altLang="en-GB" b="1">
-                <a:sym typeface="+mn-ea"/>
-                <a:hlinkClick r:id="rId2" action="ppaction://hlinkfile"/>
-              </a:rPr>
-              <a:t>Docker Desktop</a:t>
-            </a:r>
-            <a:endParaRPr lang="en-US" altLang="en-GB" b="1">
-              <a:sym typeface="+mn-ea"/>
-            </a:endParaRPr>
-          </a:p>
-          <a:p>
-            <a:pPr marL="457200" lvl="0" indent="-342900" algn="l" rtl="0">
-              <a:spcBef>
-                <a:spcPts val="0"/>
-              </a:spcBef>
-              <a:spcAft>
-                <a:spcPts val="0"/>
-              </a:spcAft>
-              <a:buSzPts val="1800"/>
-              <a:buChar char="+"/>
-            </a:pPr>
-            <a:r>
-              <a:rPr lang="en-US" altLang="en-GB" b="1">
-                <a:sym typeface="+mn-ea"/>
-              </a:rPr>
-              <a:t>If you are Windows 10, You can download </a:t>
-            </a:r>
-            <a:r>
-              <a:rPr lang="en-US" altLang="en-GB" b="1">
-                <a:sym typeface="+mn-ea"/>
-                <a:hlinkClick r:id="rId3" action="ppaction://hlinkfile"/>
-              </a:rPr>
-              <a:t>Docker Toolbox</a:t>
-            </a:r>
-            <a:r>
-              <a:rPr lang="en-US" altLang="en-GB" b="1">
-                <a:sym typeface="+mn-ea"/>
-              </a:rPr>
-              <a:t> </a:t>
-            </a:r>
-            <a:endParaRPr lang="en-US" b="1">
-              <a:solidFill>
-                <a:srgbClr val="B45F06"/>
-              </a:solidFill>
-            </a:endParaRPr>
-          </a:p>
-        </p:txBody>
-      </p:sp>
+      <p:pic>
+        <p:nvPicPr>
+          <p:cNvPr id="1" name="Picture 0"/>
+          <p:cNvPicPr>
+            <a:picLocks noChangeAspect="1"/>
+          </p:cNvPicPr>
+          <p:nvPr/>
+        </p:nvPicPr>
+        <p:blipFill>
+          <a:blip r:embed="rId1"/>
+          <a:stretch>
+            <a:fillRect/>
+          </a:stretch>
+        </p:blipFill>
+        <p:spPr>
+          <a:xfrm>
+            <a:off x="5570220" y="831215"/>
+            <a:ext cx="3373755" cy="3197860"/>
+          </a:xfrm>
+          <a:prstGeom prst="rect">
+            <a:avLst/>
+          </a:prstGeom>
+        </p:spPr>
+      </p:pic>
+      <p:pic>
+        <p:nvPicPr>
+          <p:cNvPr id="4" name="Picture 3"/>
+          <p:cNvPicPr>
+            <a:picLocks noChangeAspect="1"/>
+          </p:cNvPicPr>
+          <p:nvPr/>
+        </p:nvPicPr>
+        <p:blipFill>
+          <a:blip r:embed="rId2"/>
+          <a:stretch>
+            <a:fillRect/>
+          </a:stretch>
+        </p:blipFill>
+        <p:spPr>
+          <a:xfrm>
+            <a:off x="311785" y="1017905"/>
+            <a:ext cx="5206365" cy="2823845"/>
+          </a:xfrm>
+          <a:prstGeom prst="rect">
+            <a:avLst/>
+          </a:prstGeom>
+        </p:spPr>
+      </p:pic>
     </p:spTree>
   </p:cSld>
   <p:clrMapOvr>
@@ -14821,7 +13334,7 @@
   <p:cSld>
     <p:spTree>
       <p:nvGrpSpPr>
-        <p:cNvPr id="77" name="Shape 77"/>
+        <p:cNvPr id="450" name="Shape 450"/>
         <p:cNvGrpSpPr/>
         <p:nvPr/>
       </p:nvGrpSpPr>
@@ -14835,7 +13348,7 @@
       </p:grpSpPr>
       <p:sp>
         <p:nvSpPr>
-          <p:cNvPr id="78" name="Google Shape;78;p15"/>
+          <p:cNvPr id="451" name="Google Shape;451;p61"/>
           <p:cNvSpPr txBox="1"/>
           <p:nvPr>
             <p:ph type="title"/>
@@ -14843,1735 +13356,36 @@
         </p:nvSpPr>
         <p:spPr>
           <a:xfrm>
-            <a:off x="311700" y="123715"/>
-            <a:ext cx="8520600" cy="707400"/>
+            <a:off x="311700" y="814800"/>
+            <a:ext cx="8571300" cy="942000"/>
           </a:xfrm>
           <a:prstGeom prst="rect">
             <a:avLst/>
           </a:prstGeom>
         </p:spPr>
         <p:txBody>
-          <a:bodyPr spcFirstLastPara="1" wrap="square" lIns="91425" tIns="91425" rIns="91425" bIns="91425" anchor="t" anchorCtr="0">
+          <a:bodyPr spcFirstLastPara="1" wrap="square" lIns="91425" tIns="91425" rIns="91425" bIns="91425" anchor="ctr" anchorCtr="0">
             <a:normAutofit/>
           </a:bodyPr>
           <a:lstStyle/>
           <a:p>
-            <a:pPr marL="0" lvl="0" indent="0" algn="l" rtl="0">
-              <a:spcBef>
-                <a:spcPts val="0"/>
-              </a:spcBef>
-              <a:spcAft>
-                <a:spcPts val="0"/>
-              </a:spcAft>
-              <a:buSzPts val="990"/>
+            <a:pPr marL="0" lvl="0" indent="0" algn="ctr" rtl="0">
+              <a:spcBef>
+                <a:spcPts val="0"/>
+              </a:spcBef>
+              <a:spcAft>
+                <a:spcPts val="0"/>
+              </a:spcAft>
               <a:buNone/>
             </a:pPr>
             <a:r>
-              <a:rPr lang="en-US" sz="2935">
-                <a:sym typeface="+mn-ea"/>
-              </a:rPr>
-              <a:t>Using Docker Client - docker version</a:t>
+              <a:rPr lang="en-GB"/>
+              <a:t>THANKS FOR LISTENING</a:t>
             </a:r>
-            <a:endParaRPr lang="en-US" sz="2940" b="0">
-              <a:solidFill>
-                <a:srgbClr val="3D85C6"/>
-              </a:solidFill>
-            </a:endParaRPr>
+            <a:endParaRPr lang="en-GB"/>
           </a:p>
         </p:txBody>
       </p:sp>
-      <p:sp>
-        <p:nvSpPr>
-          <p:cNvPr id="79" name="Google Shape;79;p15"/>
-          <p:cNvSpPr txBox="1"/>
-          <p:nvPr>
-            <p:ph type="body" idx="1"/>
-          </p:nvPr>
-        </p:nvSpPr>
-        <p:spPr>
-          <a:xfrm>
-            <a:off x="311785" y="831215"/>
-            <a:ext cx="3862705" cy="3736975"/>
-          </a:xfrm>
-          <a:prstGeom prst="rect">
-            <a:avLst/>
-          </a:prstGeom>
-        </p:spPr>
-        <p:txBody>
-          <a:bodyPr spcFirstLastPara="1" wrap="square" lIns="91425" tIns="91425" rIns="91425" bIns="91425" anchor="t" anchorCtr="0">
-            <a:normAutofit/>
-          </a:bodyPr>
-          <a:lstStyle/>
-          <a:p>
-            <a:pPr marL="457200" lvl="0" indent="-342900" algn="l" rtl="0">
-              <a:spcBef>
-                <a:spcPts val="0"/>
-              </a:spcBef>
-              <a:spcAft>
-                <a:spcPts val="0"/>
-              </a:spcAft>
-              <a:buSzPts val="1800"/>
-              <a:buChar char="+"/>
-            </a:pPr>
-            <a:r>
-              <a:rPr lang="en-US" altLang="en-GB" b="1">
-                <a:sym typeface="+mn-ea"/>
-              </a:rPr>
-              <a:t>“docker version” command</a:t>
-            </a:r>
-            <a:endParaRPr lang="en-US" altLang="en-GB" b="1">
-              <a:sym typeface="+mn-ea"/>
-            </a:endParaRPr>
-          </a:p>
-          <a:p>
-            <a:pPr marL="457200" lvl="0" indent="-342900" algn="l" rtl="0">
-              <a:spcBef>
-                <a:spcPts val="0"/>
-              </a:spcBef>
-              <a:spcAft>
-                <a:spcPts val="0"/>
-              </a:spcAft>
-              <a:buSzPts val="1800"/>
-              <a:buChar char="+"/>
-            </a:pPr>
-            <a:r>
-              <a:rPr lang="en-US" altLang="en-GB" b="1">
-                <a:sym typeface="+mn-ea"/>
-              </a:rPr>
-              <a:t>Check the docker version settup on the local machine</a:t>
-            </a:r>
-            <a:endParaRPr lang="en-US" altLang="en-GB" b="1">
-              <a:sym typeface="+mn-ea"/>
-            </a:endParaRPr>
-          </a:p>
-          <a:p>
-            <a:pPr marL="457200" lvl="0" indent="-342900" algn="l" rtl="0">
-              <a:spcBef>
-                <a:spcPts val="0"/>
-              </a:spcBef>
-              <a:spcAft>
-                <a:spcPts val="0"/>
-              </a:spcAft>
-              <a:buSzPts val="1800"/>
-              <a:buChar char="+"/>
-            </a:pPr>
-            <a:endParaRPr lang="en-US" b="1">
-              <a:solidFill>
-                <a:srgbClr val="B45F06"/>
-              </a:solidFill>
-            </a:endParaRPr>
-          </a:p>
-        </p:txBody>
-      </p:sp>
-      <p:pic>
-        <p:nvPicPr>
-          <p:cNvPr id="2" name="Picture 1"/>
-          <p:cNvPicPr>
-            <a:picLocks noChangeAspect="1"/>
-          </p:cNvPicPr>
-          <p:nvPr/>
-        </p:nvPicPr>
-        <p:blipFill>
-          <a:blip r:embed="rId1"/>
-          <a:stretch>
-            <a:fillRect/>
-          </a:stretch>
-        </p:blipFill>
-        <p:spPr>
-          <a:xfrm>
-            <a:off x="4758690" y="831215"/>
-            <a:ext cx="3947795" cy="3795395"/>
-          </a:xfrm>
-          <a:prstGeom prst="rect">
-            <a:avLst/>
-          </a:prstGeom>
-        </p:spPr>
-      </p:pic>
-    </p:spTree>
-  </p:cSld>
-  <p:clrMapOvr>
-    <a:masterClrMapping/>
-  </p:clrMapOvr>
-</p:sld>
-</file>
-
-<file path=ppt/slides/slide31.xml><?xml version="1.0" encoding="utf-8"?>
-<p:sld xmlns:a="http://schemas.openxmlformats.org/drawingml/2006/main" xmlns:r="http://schemas.openxmlformats.org/officeDocument/2006/relationships" xmlns:p="http://schemas.openxmlformats.org/presentationml/2006/main">
-  <p:cSld>
-    <p:spTree>
-      <p:nvGrpSpPr>
-        <p:cNvPr id="77" name="Shape 77"/>
-        <p:cNvGrpSpPr/>
-        <p:nvPr/>
-      </p:nvGrpSpPr>
-      <p:grpSpPr>
-        <a:xfrm>
-          <a:off x="0" y="0"/>
-          <a:ext cx="0" cy="0"/>
-          <a:chOff x="0" y="0"/>
-          <a:chExt cx="0" cy="0"/>
-        </a:xfrm>
-      </p:grpSpPr>
-      <p:sp>
-        <p:nvSpPr>
-          <p:cNvPr id="78" name="Google Shape;78;p15"/>
-          <p:cNvSpPr txBox="1"/>
-          <p:nvPr>
-            <p:ph type="title"/>
-          </p:nvPr>
-        </p:nvSpPr>
-        <p:spPr>
-          <a:xfrm>
-            <a:off x="311700" y="123715"/>
-            <a:ext cx="8520600" cy="707400"/>
-          </a:xfrm>
-          <a:prstGeom prst="rect">
-            <a:avLst/>
-          </a:prstGeom>
-        </p:spPr>
-        <p:txBody>
-          <a:bodyPr spcFirstLastPara="1" wrap="square" lIns="91425" tIns="91425" rIns="91425" bIns="91425" anchor="t" anchorCtr="0">
-            <a:normAutofit/>
-          </a:bodyPr>
-          <a:lstStyle/>
-          <a:p>
-            <a:pPr marL="0" lvl="0" indent="0" algn="l" rtl="0">
-              <a:spcBef>
-                <a:spcPts val="0"/>
-              </a:spcBef>
-              <a:spcAft>
-                <a:spcPts val="0"/>
-              </a:spcAft>
-              <a:buSzPts val="990"/>
-              <a:buNone/>
-            </a:pPr>
-            <a:r>
-              <a:rPr lang="en-US" sz="2935">
-                <a:sym typeface="+mn-ea"/>
-              </a:rPr>
-              <a:t>Using Docker Client - docker run hello-world</a:t>
-            </a:r>
-            <a:endParaRPr lang="en-US" sz="2940" b="0">
-              <a:solidFill>
-                <a:srgbClr val="3D85C6"/>
-              </a:solidFill>
-            </a:endParaRPr>
-          </a:p>
-        </p:txBody>
-      </p:sp>
-      <p:sp>
-        <p:nvSpPr>
-          <p:cNvPr id="79" name="Google Shape;79;p15"/>
-          <p:cNvSpPr txBox="1"/>
-          <p:nvPr>
-            <p:ph type="body" idx="1"/>
-          </p:nvPr>
-        </p:nvSpPr>
-        <p:spPr>
-          <a:xfrm>
-            <a:off x="311785" y="831215"/>
-            <a:ext cx="5036185" cy="3736975"/>
-          </a:xfrm>
-          <a:prstGeom prst="rect">
-            <a:avLst/>
-          </a:prstGeom>
-        </p:spPr>
-        <p:txBody>
-          <a:bodyPr spcFirstLastPara="1" wrap="square" lIns="91425" tIns="91425" rIns="91425" bIns="91425" anchor="t" anchorCtr="0">
-            <a:normAutofit/>
-          </a:bodyPr>
-          <a:lstStyle/>
-          <a:p>
-            <a:pPr marL="457200" lvl="0" indent="-342900" algn="l" rtl="0">
-              <a:spcBef>
-                <a:spcPts val="0"/>
-              </a:spcBef>
-              <a:spcAft>
-                <a:spcPts val="0"/>
-              </a:spcAft>
-              <a:buSzPts val="1800"/>
-              <a:buChar char="+"/>
-            </a:pPr>
-            <a:r>
-              <a:rPr lang="en-US" altLang="en-GB" b="1">
-                <a:sym typeface="+mn-ea"/>
-              </a:rPr>
-              <a:t>“docker version” command</a:t>
-            </a:r>
-            <a:endParaRPr lang="en-US" altLang="en-GB" b="1">
-              <a:sym typeface="+mn-ea"/>
-            </a:endParaRPr>
-          </a:p>
-          <a:p>
-            <a:pPr marL="457200" lvl="0" indent="-342900" algn="l" rtl="0">
-              <a:spcBef>
-                <a:spcPts val="0"/>
-              </a:spcBef>
-              <a:spcAft>
-                <a:spcPts val="0"/>
-              </a:spcAft>
-              <a:buSzPts val="1800"/>
-              <a:buChar char="+"/>
-            </a:pPr>
-            <a:r>
-              <a:rPr lang="en-US" altLang="en-GB" b="1">
-                <a:sym typeface="+mn-ea"/>
-              </a:rPr>
-              <a:t>Check the docker version settup on the local machine</a:t>
-            </a:r>
-            <a:endParaRPr lang="en-US" altLang="en-GB" b="1">
-              <a:sym typeface="+mn-ea"/>
-            </a:endParaRPr>
-          </a:p>
-          <a:p>
-            <a:pPr marL="457200" lvl="0" indent="-342900" algn="l" rtl="0">
-              <a:spcBef>
-                <a:spcPts val="0"/>
-              </a:spcBef>
-              <a:spcAft>
-                <a:spcPts val="0"/>
-              </a:spcAft>
-              <a:buSzPts val="1800"/>
-              <a:buChar char="+"/>
-            </a:pPr>
-            <a:endParaRPr lang="en-US" b="1">
-              <a:solidFill>
-                <a:srgbClr val="B45F06"/>
-              </a:solidFill>
-            </a:endParaRPr>
-          </a:p>
-        </p:txBody>
-      </p:sp>
-      <p:pic>
-        <p:nvPicPr>
-          <p:cNvPr id="2" name="Picture 1"/>
-          <p:cNvPicPr>
-            <a:picLocks noChangeAspect="1"/>
-          </p:cNvPicPr>
-          <p:nvPr/>
-        </p:nvPicPr>
-        <p:blipFill>
-          <a:blip r:embed="rId1"/>
-          <a:stretch>
-            <a:fillRect/>
-          </a:stretch>
-        </p:blipFill>
-        <p:spPr>
-          <a:xfrm>
-            <a:off x="311785" y="714375"/>
-            <a:ext cx="7896225" cy="3714750"/>
-          </a:xfrm>
-          <a:prstGeom prst="rect">
-            <a:avLst/>
-          </a:prstGeom>
-        </p:spPr>
-      </p:pic>
-    </p:spTree>
-  </p:cSld>
-  <p:clrMapOvr>
-    <a:masterClrMapping/>
-  </p:clrMapOvr>
-</p:sld>
-</file>
-
-<file path=ppt/slides/slide32.xml><?xml version="1.0" encoding="utf-8"?>
-<p:sld xmlns:a="http://schemas.openxmlformats.org/drawingml/2006/main" xmlns:r="http://schemas.openxmlformats.org/officeDocument/2006/relationships" xmlns:p="http://schemas.openxmlformats.org/presentationml/2006/main">
-  <p:cSld>
-    <p:spTree>
-      <p:nvGrpSpPr>
-        <p:cNvPr id="77" name="Shape 77"/>
-        <p:cNvGrpSpPr/>
-        <p:nvPr/>
-      </p:nvGrpSpPr>
-      <p:grpSpPr>
-        <a:xfrm>
-          <a:off x="0" y="0"/>
-          <a:ext cx="0" cy="0"/>
-          <a:chOff x="0" y="0"/>
-          <a:chExt cx="0" cy="0"/>
-        </a:xfrm>
-      </p:grpSpPr>
-      <p:sp>
-        <p:nvSpPr>
-          <p:cNvPr id="78" name="Google Shape;78;p15"/>
-          <p:cNvSpPr txBox="1"/>
-          <p:nvPr>
-            <p:ph type="title"/>
-          </p:nvPr>
-        </p:nvSpPr>
-        <p:spPr>
-          <a:xfrm>
-            <a:off x="311700" y="123715"/>
-            <a:ext cx="8520600" cy="707400"/>
-          </a:xfrm>
-          <a:prstGeom prst="rect">
-            <a:avLst/>
-          </a:prstGeom>
-        </p:spPr>
-        <p:txBody>
-          <a:bodyPr spcFirstLastPara="1" wrap="square" lIns="91425" tIns="91425" rIns="91425" bIns="91425" anchor="t" anchorCtr="0">
-            <a:normAutofit/>
-          </a:bodyPr>
-          <a:lstStyle/>
-          <a:p>
-            <a:pPr marL="0" lvl="0" indent="0" algn="l" rtl="0">
-              <a:spcBef>
-                <a:spcPts val="0"/>
-              </a:spcBef>
-              <a:spcAft>
-                <a:spcPts val="0"/>
-              </a:spcAft>
-              <a:buSzPts val="990"/>
-              <a:buNone/>
-            </a:pPr>
-            <a:r>
-              <a:rPr lang="en-US" sz="2935">
-                <a:sym typeface="+mn-ea"/>
-              </a:rPr>
-              <a:t>Docker containers</a:t>
-            </a:r>
-            <a:endParaRPr lang="en-US" sz="2940" b="0">
-              <a:solidFill>
-                <a:srgbClr val="3D85C6"/>
-              </a:solidFill>
-            </a:endParaRPr>
-          </a:p>
-        </p:txBody>
-      </p:sp>
-      <p:sp>
-        <p:nvSpPr>
-          <p:cNvPr id="79" name="Google Shape;79;p15"/>
-          <p:cNvSpPr txBox="1"/>
-          <p:nvPr>
-            <p:ph type="body" idx="1"/>
-          </p:nvPr>
-        </p:nvSpPr>
-        <p:spPr>
-          <a:xfrm>
-            <a:off x="311785" y="831215"/>
-            <a:ext cx="5036185" cy="3736975"/>
-          </a:xfrm>
-          <a:prstGeom prst="rect">
-            <a:avLst/>
-          </a:prstGeom>
-        </p:spPr>
-        <p:txBody>
-          <a:bodyPr spcFirstLastPara="1" wrap="square" lIns="91425" tIns="91425" rIns="91425" bIns="91425" anchor="t" anchorCtr="0">
-            <a:normAutofit/>
-          </a:bodyPr>
-          <a:lstStyle/>
-          <a:p>
-            <a:pPr marL="457200" lvl="0" indent="-342900" algn="l" rtl="0">
-              <a:spcBef>
-                <a:spcPts val="0"/>
-              </a:spcBef>
-              <a:spcAft>
-                <a:spcPts val="0"/>
-              </a:spcAft>
-              <a:buSzPts val="1800"/>
-              <a:buChar char="+"/>
-            </a:pPr>
-            <a:r>
-              <a:rPr lang="en-US" altLang="en-GB" b="1">
-                <a:sym typeface="+mn-ea"/>
-              </a:rPr>
-              <a:t>How operating system run in a local</a:t>
-            </a:r>
-            <a:endParaRPr lang="en-US" b="1">
-              <a:solidFill>
-                <a:srgbClr val="B45F06"/>
-              </a:solidFill>
-            </a:endParaRPr>
-          </a:p>
-        </p:txBody>
-      </p:sp>
-      <p:pic>
-        <p:nvPicPr>
-          <p:cNvPr id="4" name="Picture 3"/>
-          <p:cNvPicPr>
-            <a:picLocks noChangeAspect="1"/>
-          </p:cNvPicPr>
-          <p:nvPr/>
-        </p:nvPicPr>
-        <p:blipFill>
-          <a:blip r:embed="rId1"/>
-          <a:stretch>
-            <a:fillRect/>
-          </a:stretch>
-        </p:blipFill>
-        <p:spPr>
-          <a:xfrm>
-            <a:off x="1546225" y="1418590"/>
-            <a:ext cx="6051550" cy="3342640"/>
-          </a:xfrm>
-          <a:prstGeom prst="rect">
-            <a:avLst/>
-          </a:prstGeom>
-        </p:spPr>
-      </p:pic>
-    </p:spTree>
-  </p:cSld>
-  <p:clrMapOvr>
-    <a:masterClrMapping/>
-  </p:clrMapOvr>
-</p:sld>
-</file>
-
-<file path=ppt/slides/slide33.xml><?xml version="1.0" encoding="utf-8"?>
-<p:sld xmlns:a="http://schemas.openxmlformats.org/drawingml/2006/main" xmlns:r="http://schemas.openxmlformats.org/officeDocument/2006/relationships" xmlns:p="http://schemas.openxmlformats.org/presentationml/2006/main">
-  <p:cSld>
-    <p:spTree>
-      <p:nvGrpSpPr>
-        <p:cNvPr id="77" name="Shape 77"/>
-        <p:cNvGrpSpPr/>
-        <p:nvPr/>
-      </p:nvGrpSpPr>
-      <p:grpSpPr>
-        <a:xfrm>
-          <a:off x="0" y="0"/>
-          <a:ext cx="0" cy="0"/>
-          <a:chOff x="0" y="0"/>
-          <a:chExt cx="0" cy="0"/>
-        </a:xfrm>
-      </p:grpSpPr>
-      <p:sp>
-        <p:nvSpPr>
-          <p:cNvPr id="78" name="Google Shape;78;p15"/>
-          <p:cNvSpPr txBox="1"/>
-          <p:nvPr>
-            <p:ph type="title"/>
-          </p:nvPr>
-        </p:nvSpPr>
-        <p:spPr>
-          <a:xfrm>
-            <a:off x="311700" y="123715"/>
-            <a:ext cx="8520600" cy="707400"/>
-          </a:xfrm>
-          <a:prstGeom prst="rect">
-            <a:avLst/>
-          </a:prstGeom>
-        </p:spPr>
-        <p:txBody>
-          <a:bodyPr spcFirstLastPara="1" wrap="square" lIns="91425" tIns="91425" rIns="91425" bIns="91425" anchor="t" anchorCtr="0">
-            <a:normAutofit/>
-          </a:bodyPr>
-          <a:lstStyle/>
-          <a:p>
-            <a:pPr marL="0" lvl="0" indent="0" algn="l" rtl="0">
-              <a:spcBef>
-                <a:spcPts val="0"/>
-              </a:spcBef>
-              <a:spcAft>
-                <a:spcPts val="0"/>
-              </a:spcAft>
-              <a:buSzPts val="990"/>
-              <a:buNone/>
-            </a:pPr>
-            <a:r>
-              <a:rPr lang="en-US" sz="2935">
-                <a:sym typeface="+mn-ea"/>
-              </a:rPr>
-              <a:t>Docker containers</a:t>
-            </a:r>
-            <a:endParaRPr lang="en-US" sz="2940" b="0">
-              <a:solidFill>
-                <a:srgbClr val="3D85C6"/>
-              </a:solidFill>
-            </a:endParaRPr>
-          </a:p>
-        </p:txBody>
-      </p:sp>
-      <p:sp>
-        <p:nvSpPr>
-          <p:cNvPr id="79" name="Google Shape;79;p15"/>
-          <p:cNvSpPr txBox="1"/>
-          <p:nvPr>
-            <p:ph type="body" idx="1"/>
-          </p:nvPr>
-        </p:nvSpPr>
-        <p:spPr>
-          <a:xfrm>
-            <a:off x="311785" y="831215"/>
-            <a:ext cx="4689475" cy="3736975"/>
-          </a:xfrm>
-          <a:prstGeom prst="rect">
-            <a:avLst/>
-          </a:prstGeom>
-        </p:spPr>
-        <p:txBody>
-          <a:bodyPr spcFirstLastPara="1" wrap="square" lIns="91425" tIns="91425" rIns="91425" bIns="91425" anchor="t" anchorCtr="0">
-            <a:normAutofit/>
-          </a:bodyPr>
-          <a:lstStyle/>
-          <a:p>
-            <a:pPr marL="457200" lvl="0" indent="-342900" algn="l" rtl="0">
-              <a:spcBef>
-                <a:spcPts val="0"/>
-              </a:spcBef>
-              <a:spcAft>
-                <a:spcPts val="0"/>
-              </a:spcAft>
-              <a:buSzPts val="1800"/>
-              <a:buChar char="+"/>
-            </a:pPr>
-            <a:r>
-              <a:rPr lang="en-US" altLang="en-GB" b="1">
-                <a:sym typeface="+mn-ea"/>
-              </a:rPr>
-              <a:t>How operating system run in a local</a:t>
-            </a:r>
-            <a:endParaRPr lang="en-US" b="1">
-              <a:solidFill>
-                <a:srgbClr val="B45F06"/>
-              </a:solidFill>
-            </a:endParaRPr>
-          </a:p>
-          <a:p>
-            <a:pPr marL="457200" lvl="0" indent="-342900" algn="l" rtl="0">
-              <a:spcBef>
-                <a:spcPts val="0"/>
-              </a:spcBef>
-              <a:spcAft>
-                <a:spcPts val="0"/>
-              </a:spcAft>
-              <a:buSzPts val="1800"/>
-              <a:buChar char="+"/>
-            </a:pPr>
-            <a:r>
-              <a:rPr lang="en-US" altLang="en-GB" b="1">
-                <a:sym typeface="+mn-ea"/>
-              </a:rPr>
-              <a:t>The difference versions on the system</a:t>
-            </a:r>
-            <a:endParaRPr lang="en-US" b="1">
-              <a:solidFill>
-                <a:srgbClr val="B45F06"/>
-              </a:solidFill>
-            </a:endParaRPr>
-          </a:p>
-        </p:txBody>
-      </p:sp>
-      <p:pic>
-        <p:nvPicPr>
-          <p:cNvPr id="3" name="Picture 2"/>
-          <p:cNvPicPr>
-            <a:picLocks noChangeAspect="1"/>
-          </p:cNvPicPr>
-          <p:nvPr/>
-        </p:nvPicPr>
-        <p:blipFill>
-          <a:blip r:embed="rId1"/>
-          <a:stretch>
-            <a:fillRect/>
-          </a:stretch>
-        </p:blipFill>
-        <p:spPr>
-          <a:xfrm>
-            <a:off x="6008370" y="821055"/>
-            <a:ext cx="2606040" cy="4147820"/>
-          </a:xfrm>
-          <a:prstGeom prst="rect">
-            <a:avLst/>
-          </a:prstGeom>
-        </p:spPr>
-      </p:pic>
-    </p:spTree>
-  </p:cSld>
-  <p:clrMapOvr>
-    <a:masterClrMapping/>
-  </p:clrMapOvr>
-</p:sld>
-</file>
-
-<file path=ppt/slides/slide34.xml><?xml version="1.0" encoding="utf-8"?>
-<p:sld xmlns:a="http://schemas.openxmlformats.org/drawingml/2006/main" xmlns:r="http://schemas.openxmlformats.org/officeDocument/2006/relationships" xmlns:p="http://schemas.openxmlformats.org/presentationml/2006/main">
-  <p:cSld>
-    <p:spTree>
-      <p:nvGrpSpPr>
-        <p:cNvPr id="77" name="Shape 77"/>
-        <p:cNvGrpSpPr/>
-        <p:nvPr/>
-      </p:nvGrpSpPr>
-      <p:grpSpPr>
-        <a:xfrm>
-          <a:off x="0" y="0"/>
-          <a:ext cx="0" cy="0"/>
-          <a:chOff x="0" y="0"/>
-          <a:chExt cx="0" cy="0"/>
-        </a:xfrm>
-      </p:grpSpPr>
-      <p:sp>
-        <p:nvSpPr>
-          <p:cNvPr id="78" name="Google Shape;78;p15"/>
-          <p:cNvSpPr txBox="1"/>
-          <p:nvPr>
-            <p:ph type="title"/>
-          </p:nvPr>
-        </p:nvSpPr>
-        <p:spPr>
-          <a:xfrm>
-            <a:off x="311700" y="123715"/>
-            <a:ext cx="8520600" cy="707400"/>
-          </a:xfrm>
-          <a:prstGeom prst="rect">
-            <a:avLst/>
-          </a:prstGeom>
-        </p:spPr>
-        <p:txBody>
-          <a:bodyPr spcFirstLastPara="1" wrap="square" lIns="91425" tIns="91425" rIns="91425" bIns="91425" anchor="t" anchorCtr="0">
-            <a:normAutofit/>
-          </a:bodyPr>
-          <a:lstStyle/>
-          <a:p>
-            <a:pPr marL="0" lvl="0" indent="0" algn="l" rtl="0">
-              <a:spcBef>
-                <a:spcPts val="0"/>
-              </a:spcBef>
-              <a:spcAft>
-                <a:spcPts val="0"/>
-              </a:spcAft>
-              <a:buSzPts val="990"/>
-              <a:buNone/>
-            </a:pPr>
-            <a:r>
-              <a:rPr lang="en-US" sz="2935">
-                <a:sym typeface="+mn-ea"/>
-              </a:rPr>
-              <a:t>Docker containers</a:t>
-            </a:r>
-            <a:endParaRPr lang="en-US" sz="2940" b="0">
-              <a:solidFill>
-                <a:srgbClr val="3D85C6"/>
-              </a:solidFill>
-            </a:endParaRPr>
-          </a:p>
-        </p:txBody>
-      </p:sp>
-      <p:sp>
-        <p:nvSpPr>
-          <p:cNvPr id="79" name="Google Shape;79;p15"/>
-          <p:cNvSpPr txBox="1"/>
-          <p:nvPr>
-            <p:ph type="body" idx="1"/>
-          </p:nvPr>
-        </p:nvSpPr>
-        <p:spPr>
-          <a:xfrm>
-            <a:off x="311785" y="831215"/>
-            <a:ext cx="5494655" cy="3736975"/>
-          </a:xfrm>
-          <a:prstGeom prst="rect">
-            <a:avLst/>
-          </a:prstGeom>
-        </p:spPr>
-        <p:txBody>
-          <a:bodyPr spcFirstLastPara="1" wrap="square" lIns="91425" tIns="91425" rIns="91425" bIns="91425" anchor="t" anchorCtr="0">
-            <a:normAutofit/>
-          </a:bodyPr>
-          <a:lstStyle/>
-          <a:p>
-            <a:pPr marL="457200" lvl="0" indent="-342900" algn="l" rtl="0">
-              <a:spcBef>
-                <a:spcPts val="0"/>
-              </a:spcBef>
-              <a:spcAft>
-                <a:spcPts val="0"/>
-              </a:spcAft>
-              <a:buSzPts val="1800"/>
-              <a:buChar char="+"/>
-            </a:pPr>
-            <a:r>
-              <a:rPr lang="en-US" altLang="en-GB" b="1">
-                <a:sym typeface="+mn-ea"/>
-              </a:rPr>
-              <a:t>How operating system run in a local</a:t>
-            </a:r>
-            <a:endParaRPr lang="en-US" b="1">
-              <a:solidFill>
-                <a:srgbClr val="B45F06"/>
-              </a:solidFill>
-            </a:endParaRPr>
-          </a:p>
-          <a:p>
-            <a:pPr marL="457200" lvl="0" indent="-342900" algn="l" rtl="0">
-              <a:spcBef>
-                <a:spcPts val="0"/>
-              </a:spcBef>
-              <a:spcAft>
-                <a:spcPts val="0"/>
-              </a:spcAft>
-              <a:buSzPts val="1800"/>
-              <a:buChar char="+"/>
-            </a:pPr>
-            <a:r>
-              <a:rPr lang="en-US" altLang="en-GB" b="1">
-                <a:sym typeface="+mn-ea"/>
-              </a:rPr>
-              <a:t>The difference versions on the system</a:t>
-            </a:r>
-            <a:endParaRPr lang="en-US" altLang="en-GB" b="1">
-              <a:sym typeface="+mn-ea"/>
-            </a:endParaRPr>
-          </a:p>
-          <a:p>
-            <a:pPr marL="457200" lvl="0" indent="-342900" algn="l" rtl="0">
-              <a:spcBef>
-                <a:spcPts val="0"/>
-              </a:spcBef>
-              <a:spcAft>
-                <a:spcPts val="0"/>
-              </a:spcAft>
-              <a:buSzPts val="1800"/>
-              <a:buChar char="+"/>
-            </a:pPr>
-            <a:r>
-              <a:rPr lang="en-US" altLang="en-GB" b="1">
-                <a:sym typeface="+mn-ea"/>
-              </a:rPr>
-              <a:t>Name spacing technique</a:t>
-            </a:r>
-            <a:endParaRPr lang="en-US" b="1">
-              <a:solidFill>
-                <a:srgbClr val="B45F06"/>
-              </a:solidFill>
-            </a:endParaRPr>
-          </a:p>
-        </p:txBody>
-      </p:sp>
-      <p:pic>
-        <p:nvPicPr>
-          <p:cNvPr id="2" name="Picture 1"/>
-          <p:cNvPicPr>
-            <a:picLocks noChangeAspect="1"/>
-          </p:cNvPicPr>
-          <p:nvPr/>
-        </p:nvPicPr>
-        <p:blipFill>
-          <a:blip r:embed="rId1"/>
-          <a:stretch>
-            <a:fillRect/>
-          </a:stretch>
-        </p:blipFill>
-        <p:spPr>
-          <a:xfrm>
-            <a:off x="5969635" y="831215"/>
-            <a:ext cx="2694940" cy="4166870"/>
-          </a:xfrm>
-          <a:prstGeom prst="rect">
-            <a:avLst/>
-          </a:prstGeom>
-        </p:spPr>
-      </p:pic>
-    </p:spTree>
-  </p:cSld>
-  <p:clrMapOvr>
-    <a:masterClrMapping/>
-  </p:clrMapOvr>
-</p:sld>
-</file>
-
-<file path=ppt/slides/slide35.xml><?xml version="1.0" encoding="utf-8"?>
-<p:sld xmlns:a="http://schemas.openxmlformats.org/drawingml/2006/main" xmlns:r="http://schemas.openxmlformats.org/officeDocument/2006/relationships" xmlns:p="http://schemas.openxmlformats.org/presentationml/2006/main">
-  <p:cSld>
-    <p:spTree>
-      <p:nvGrpSpPr>
-        <p:cNvPr id="77" name="Shape 77"/>
-        <p:cNvGrpSpPr/>
-        <p:nvPr/>
-      </p:nvGrpSpPr>
-      <p:grpSpPr>
-        <a:xfrm>
-          <a:off x="0" y="0"/>
-          <a:ext cx="0" cy="0"/>
-          <a:chOff x="0" y="0"/>
-          <a:chExt cx="0" cy="0"/>
-        </a:xfrm>
-      </p:grpSpPr>
-      <p:sp>
-        <p:nvSpPr>
-          <p:cNvPr id="78" name="Google Shape;78;p15"/>
-          <p:cNvSpPr txBox="1"/>
-          <p:nvPr>
-            <p:ph type="title"/>
-          </p:nvPr>
-        </p:nvSpPr>
-        <p:spPr>
-          <a:xfrm>
-            <a:off x="311700" y="123715"/>
-            <a:ext cx="8520600" cy="707400"/>
-          </a:xfrm>
-          <a:prstGeom prst="rect">
-            <a:avLst/>
-          </a:prstGeom>
-        </p:spPr>
-        <p:txBody>
-          <a:bodyPr spcFirstLastPara="1" wrap="square" lIns="91425" tIns="91425" rIns="91425" bIns="91425" anchor="t" anchorCtr="0">
-            <a:normAutofit/>
-          </a:bodyPr>
-          <a:lstStyle/>
-          <a:p>
-            <a:pPr marL="0" lvl="0" indent="0" algn="l" rtl="0">
-              <a:spcBef>
-                <a:spcPts val="0"/>
-              </a:spcBef>
-              <a:spcAft>
-                <a:spcPts val="0"/>
-              </a:spcAft>
-              <a:buSzPts val="990"/>
-              <a:buNone/>
-            </a:pPr>
-            <a:r>
-              <a:rPr lang="en-US" sz="2935">
-                <a:sym typeface="+mn-ea"/>
-              </a:rPr>
-              <a:t>Docker containers</a:t>
-            </a:r>
-            <a:endParaRPr lang="en-US" sz="2940" b="0">
-              <a:solidFill>
-                <a:srgbClr val="3D85C6"/>
-              </a:solidFill>
-            </a:endParaRPr>
-          </a:p>
-        </p:txBody>
-      </p:sp>
-      <p:sp>
-        <p:nvSpPr>
-          <p:cNvPr id="79" name="Google Shape;79;p15"/>
-          <p:cNvSpPr txBox="1"/>
-          <p:nvPr>
-            <p:ph type="body" idx="1"/>
-          </p:nvPr>
-        </p:nvSpPr>
-        <p:spPr>
-          <a:xfrm>
-            <a:off x="311785" y="831215"/>
-            <a:ext cx="8188960" cy="3736975"/>
-          </a:xfrm>
-          <a:prstGeom prst="rect">
-            <a:avLst/>
-          </a:prstGeom>
-        </p:spPr>
-        <p:txBody>
-          <a:bodyPr spcFirstLastPara="1" wrap="square" lIns="91425" tIns="91425" rIns="91425" bIns="91425" anchor="t" anchorCtr="0">
-            <a:normAutofit/>
-          </a:bodyPr>
-          <a:lstStyle/>
-          <a:p>
-            <a:pPr marL="457200" lvl="0" indent="-342900" algn="l" rtl="0">
-              <a:spcBef>
-                <a:spcPts val="0"/>
-              </a:spcBef>
-              <a:spcAft>
-                <a:spcPts val="0"/>
-              </a:spcAft>
-              <a:buSzPts val="1800"/>
-              <a:buChar char="+"/>
-            </a:pPr>
-            <a:r>
-              <a:rPr lang="en-US" altLang="en-GB" b="1">
-                <a:sym typeface="+mn-ea"/>
-              </a:rPr>
-              <a:t>Name spacing technique</a:t>
-            </a:r>
-            <a:endParaRPr lang="en-US" altLang="en-GB" b="1">
-              <a:sym typeface="+mn-ea"/>
-            </a:endParaRPr>
-          </a:p>
-          <a:p>
-            <a:pPr marL="457200" lvl="0" indent="-342900" algn="l" rtl="0">
-              <a:spcBef>
-                <a:spcPts val="0"/>
-              </a:spcBef>
-              <a:spcAft>
-                <a:spcPts val="0"/>
-              </a:spcAft>
-              <a:buSzPts val="1800"/>
-              <a:buChar char="+"/>
-            </a:pPr>
-            <a:r>
-              <a:rPr lang="en-US" altLang="en-GB" b="1">
-                <a:sym typeface="+mn-ea"/>
-              </a:rPr>
-              <a:t>It’s not only use for Hardware, It can be also use for software.</a:t>
-            </a:r>
-            <a:endParaRPr lang="en-US" altLang="en-GB" b="1">
-              <a:sym typeface="+mn-ea"/>
-            </a:endParaRPr>
-          </a:p>
-          <a:p>
-            <a:pPr marL="457200" lvl="0" indent="-342900" algn="l" rtl="0">
-              <a:spcBef>
-                <a:spcPts val="0"/>
-              </a:spcBef>
-              <a:spcAft>
-                <a:spcPts val="0"/>
-              </a:spcAft>
-              <a:buSzPts val="1800"/>
-              <a:buChar char="+"/>
-            </a:pPr>
-            <a:r>
-              <a:rPr lang="en-US" altLang="en-GB" b="1">
-                <a:sym typeface="+mn-ea"/>
-              </a:rPr>
-              <a:t>Name spacing and Control groups used to isolate and single process and limit the amount of resources it can be used of.</a:t>
-            </a:r>
-            <a:endParaRPr lang="en-US" altLang="en-GB" b="1">
-              <a:sym typeface="+mn-ea"/>
-            </a:endParaRPr>
-          </a:p>
-          <a:p>
-            <a:pPr marL="457200" lvl="0" indent="-342900" algn="l" rtl="0">
-              <a:spcBef>
-                <a:spcPts val="0"/>
-              </a:spcBef>
-              <a:spcAft>
-                <a:spcPts val="0"/>
-              </a:spcAft>
-              <a:buSzPts val="1800"/>
-              <a:buChar char="+"/>
-            </a:pPr>
-            <a:endParaRPr lang="en-US" b="1">
-              <a:solidFill>
-                <a:srgbClr val="B45F06"/>
-              </a:solidFill>
-            </a:endParaRPr>
-          </a:p>
-        </p:txBody>
-      </p:sp>
-      <p:pic>
-        <p:nvPicPr>
-          <p:cNvPr id="2" name="Picture 1"/>
-          <p:cNvPicPr>
-            <a:picLocks noChangeAspect="1"/>
-          </p:cNvPicPr>
-          <p:nvPr/>
-        </p:nvPicPr>
-        <p:blipFill>
-          <a:blip r:embed="rId1"/>
-          <a:stretch>
-            <a:fillRect/>
-          </a:stretch>
-        </p:blipFill>
-        <p:spPr>
-          <a:xfrm>
-            <a:off x="1546860" y="2322195"/>
-            <a:ext cx="5719445" cy="2518410"/>
-          </a:xfrm>
-          <a:prstGeom prst="rect">
-            <a:avLst/>
-          </a:prstGeom>
-        </p:spPr>
-      </p:pic>
-    </p:spTree>
-  </p:cSld>
-  <p:clrMapOvr>
-    <a:masterClrMapping/>
-  </p:clrMapOvr>
-</p:sld>
-</file>
-
-<file path=ppt/slides/slide36.xml><?xml version="1.0" encoding="utf-8"?>
-<p:sld xmlns:a="http://schemas.openxmlformats.org/drawingml/2006/main" xmlns:r="http://schemas.openxmlformats.org/officeDocument/2006/relationships" xmlns:p="http://schemas.openxmlformats.org/presentationml/2006/main">
-  <p:cSld>
-    <p:spTree>
-      <p:nvGrpSpPr>
-        <p:cNvPr id="77" name="Shape 77"/>
-        <p:cNvGrpSpPr/>
-        <p:nvPr/>
-      </p:nvGrpSpPr>
-      <p:grpSpPr>
-        <a:xfrm>
-          <a:off x="0" y="0"/>
-          <a:ext cx="0" cy="0"/>
-          <a:chOff x="0" y="0"/>
-          <a:chExt cx="0" cy="0"/>
-        </a:xfrm>
-      </p:grpSpPr>
-      <p:sp>
-        <p:nvSpPr>
-          <p:cNvPr id="78" name="Google Shape;78;p15"/>
-          <p:cNvSpPr txBox="1"/>
-          <p:nvPr>
-            <p:ph type="title"/>
-          </p:nvPr>
-        </p:nvSpPr>
-        <p:spPr>
-          <a:xfrm>
-            <a:off x="311700" y="123715"/>
-            <a:ext cx="8520600" cy="707400"/>
-          </a:xfrm>
-          <a:prstGeom prst="rect">
-            <a:avLst/>
-          </a:prstGeom>
-        </p:spPr>
-        <p:txBody>
-          <a:bodyPr spcFirstLastPara="1" wrap="square" lIns="91425" tIns="91425" rIns="91425" bIns="91425" anchor="t" anchorCtr="0">
-            <a:normAutofit/>
-          </a:bodyPr>
-          <a:lstStyle/>
-          <a:p>
-            <a:pPr marL="0" lvl="0" indent="0" algn="l" rtl="0">
-              <a:spcBef>
-                <a:spcPts val="0"/>
-              </a:spcBef>
-              <a:spcAft>
-                <a:spcPts val="0"/>
-              </a:spcAft>
-              <a:buSzPts val="990"/>
-              <a:buNone/>
-            </a:pPr>
-            <a:r>
-              <a:rPr lang="en-US" sz="2935">
-                <a:sym typeface="+mn-ea"/>
-              </a:rPr>
-              <a:t>Docker containers</a:t>
-            </a:r>
-            <a:endParaRPr lang="en-US" sz="2940" b="0">
-              <a:solidFill>
-                <a:srgbClr val="3D85C6"/>
-              </a:solidFill>
-            </a:endParaRPr>
-          </a:p>
-        </p:txBody>
-      </p:sp>
-      <p:sp>
-        <p:nvSpPr>
-          <p:cNvPr id="79" name="Google Shape;79;p15"/>
-          <p:cNvSpPr txBox="1"/>
-          <p:nvPr>
-            <p:ph type="body" idx="1"/>
-          </p:nvPr>
-        </p:nvSpPr>
-        <p:spPr>
-          <a:xfrm>
-            <a:off x="311785" y="831215"/>
-            <a:ext cx="5412740" cy="3736975"/>
-          </a:xfrm>
-          <a:prstGeom prst="rect">
-            <a:avLst/>
-          </a:prstGeom>
-        </p:spPr>
-        <p:txBody>
-          <a:bodyPr spcFirstLastPara="1" wrap="square" lIns="91425" tIns="91425" rIns="91425" bIns="91425" anchor="t" anchorCtr="0">
-            <a:normAutofit/>
-          </a:bodyPr>
-          <a:lstStyle/>
-          <a:p>
-            <a:pPr marL="457200" lvl="0" indent="-342900" algn="l" rtl="0">
-              <a:spcBef>
-                <a:spcPts val="0"/>
-              </a:spcBef>
-              <a:spcAft>
-                <a:spcPts val="0"/>
-              </a:spcAft>
-              <a:buSzPts val="1800"/>
-              <a:buChar char="+"/>
-            </a:pPr>
-            <a:r>
-              <a:rPr lang="en-US" altLang="en-GB" b="1">
-                <a:sym typeface="+mn-ea"/>
-              </a:rPr>
-              <a:t>Name spacing technique</a:t>
-            </a:r>
-            <a:endParaRPr lang="en-US" altLang="en-GB" b="1">
-              <a:sym typeface="+mn-ea"/>
-            </a:endParaRPr>
-          </a:p>
-          <a:p>
-            <a:pPr marL="457200" lvl="0" indent="-342900" algn="l" rtl="0">
-              <a:spcBef>
-                <a:spcPts val="0"/>
-              </a:spcBef>
-              <a:spcAft>
-                <a:spcPts val="0"/>
-              </a:spcAft>
-              <a:buSzPts val="1800"/>
-              <a:buChar char="+"/>
-            </a:pPr>
-            <a:r>
-              <a:rPr lang="en-US" altLang="en-GB" b="1">
-                <a:sym typeface="+mn-ea"/>
-              </a:rPr>
-              <a:t>It’s not only use for Hardware, It can be also use for software.</a:t>
-            </a:r>
-            <a:endParaRPr lang="en-US" altLang="en-GB" b="1">
-              <a:sym typeface="+mn-ea"/>
-            </a:endParaRPr>
-          </a:p>
-          <a:p>
-            <a:pPr marL="457200" lvl="0" indent="-342900" algn="l" rtl="0">
-              <a:spcBef>
-                <a:spcPts val="0"/>
-              </a:spcBef>
-              <a:spcAft>
-                <a:spcPts val="0"/>
-              </a:spcAft>
-              <a:buSzPts val="1800"/>
-              <a:buChar char="+"/>
-            </a:pPr>
-            <a:r>
-              <a:rPr lang="en-US" altLang="en-GB" b="1">
-                <a:sym typeface="+mn-ea"/>
-              </a:rPr>
-              <a:t>Name spacing and Control groups used to isolate and single process and limit the amount of resources it can be used of.</a:t>
-            </a:r>
-            <a:endParaRPr lang="en-US" altLang="en-GB" b="1">
-              <a:sym typeface="+mn-ea"/>
-            </a:endParaRPr>
-          </a:p>
-          <a:p>
-            <a:pPr marL="457200" lvl="0" indent="-342900" algn="l" rtl="0">
-              <a:spcBef>
-                <a:spcPts val="0"/>
-              </a:spcBef>
-              <a:spcAft>
-                <a:spcPts val="0"/>
-              </a:spcAft>
-              <a:buSzPts val="1800"/>
-              <a:buChar char="+"/>
-            </a:pPr>
-            <a:endParaRPr lang="en-US" b="1">
-              <a:solidFill>
-                <a:srgbClr val="B45F06"/>
-              </a:solidFill>
-            </a:endParaRPr>
-          </a:p>
-        </p:txBody>
-      </p:sp>
-      <p:pic>
-        <p:nvPicPr>
-          <p:cNvPr id="2" name="Picture 1"/>
-          <p:cNvPicPr>
-            <a:picLocks noChangeAspect="1"/>
-          </p:cNvPicPr>
-          <p:nvPr/>
-        </p:nvPicPr>
-        <p:blipFill>
-          <a:blip r:embed="rId1"/>
-          <a:stretch>
-            <a:fillRect/>
-          </a:stretch>
-        </p:blipFill>
-        <p:spPr>
-          <a:xfrm>
-            <a:off x="6058535" y="831215"/>
-            <a:ext cx="2454910" cy="4041775"/>
-          </a:xfrm>
-          <a:prstGeom prst="rect">
-            <a:avLst/>
-          </a:prstGeom>
-        </p:spPr>
-      </p:pic>
-    </p:spTree>
-  </p:cSld>
-  <p:clrMapOvr>
-    <a:masterClrMapping/>
-  </p:clrMapOvr>
-</p:sld>
-</file>
-
-<file path=ppt/slides/slide37.xml><?xml version="1.0" encoding="utf-8"?>
-<p:sld xmlns:a="http://schemas.openxmlformats.org/drawingml/2006/main" xmlns:r="http://schemas.openxmlformats.org/officeDocument/2006/relationships" xmlns:p="http://schemas.openxmlformats.org/presentationml/2006/main">
-  <p:cSld>
-    <p:spTree>
-      <p:nvGrpSpPr>
-        <p:cNvPr id="77" name="Shape 77"/>
-        <p:cNvGrpSpPr/>
-        <p:nvPr/>
-      </p:nvGrpSpPr>
-      <p:grpSpPr>
-        <a:xfrm>
-          <a:off x="0" y="0"/>
-          <a:ext cx="0" cy="0"/>
-          <a:chOff x="0" y="0"/>
-          <a:chExt cx="0" cy="0"/>
-        </a:xfrm>
-      </p:grpSpPr>
-      <p:sp>
-        <p:nvSpPr>
-          <p:cNvPr id="78" name="Google Shape;78;p15"/>
-          <p:cNvSpPr txBox="1"/>
-          <p:nvPr>
-            <p:ph type="title"/>
-          </p:nvPr>
-        </p:nvSpPr>
-        <p:spPr>
-          <a:xfrm>
-            <a:off x="311700" y="123715"/>
-            <a:ext cx="8520600" cy="707400"/>
-          </a:xfrm>
-          <a:prstGeom prst="rect">
-            <a:avLst/>
-          </a:prstGeom>
-        </p:spPr>
-        <p:txBody>
-          <a:bodyPr spcFirstLastPara="1" wrap="square" lIns="91425" tIns="91425" rIns="91425" bIns="91425" anchor="t" anchorCtr="0">
-            <a:normAutofit/>
-          </a:bodyPr>
-          <a:lstStyle/>
-          <a:p>
-            <a:pPr marL="0" lvl="0" indent="0" algn="l" rtl="0">
-              <a:spcBef>
-                <a:spcPts val="0"/>
-              </a:spcBef>
-              <a:spcAft>
-                <a:spcPts val="0"/>
-              </a:spcAft>
-              <a:buSzPts val="990"/>
-              <a:buNone/>
-            </a:pPr>
-            <a:r>
-              <a:rPr lang="en-US" sz="2935">
-                <a:sym typeface="+mn-ea"/>
-              </a:rPr>
-              <a:t>Docker containers</a:t>
-            </a:r>
-            <a:endParaRPr lang="en-US" sz="2940" b="0">
-              <a:solidFill>
-                <a:srgbClr val="3D85C6"/>
-              </a:solidFill>
-            </a:endParaRPr>
-          </a:p>
-        </p:txBody>
-      </p:sp>
-      <p:sp>
-        <p:nvSpPr>
-          <p:cNvPr id="79" name="Google Shape;79;p15"/>
-          <p:cNvSpPr txBox="1"/>
-          <p:nvPr>
-            <p:ph type="body" idx="1"/>
-          </p:nvPr>
-        </p:nvSpPr>
-        <p:spPr>
-          <a:xfrm>
-            <a:off x="311785" y="831215"/>
-            <a:ext cx="4709160" cy="3736975"/>
-          </a:xfrm>
-          <a:prstGeom prst="rect">
-            <a:avLst/>
-          </a:prstGeom>
-        </p:spPr>
-        <p:txBody>
-          <a:bodyPr spcFirstLastPara="1" wrap="square" lIns="91425" tIns="91425" rIns="91425" bIns="91425" anchor="t" anchorCtr="0">
-            <a:normAutofit/>
-          </a:bodyPr>
-          <a:lstStyle/>
-          <a:p>
-            <a:pPr marL="457200" lvl="0" indent="-342900" algn="l" rtl="0">
-              <a:spcBef>
-                <a:spcPts val="0"/>
-              </a:spcBef>
-              <a:spcAft>
-                <a:spcPts val="0"/>
-              </a:spcAft>
-              <a:buSzPts val="1800"/>
-              <a:buChar char="+"/>
-            </a:pPr>
-            <a:r>
-              <a:rPr lang="en-US" altLang="en-GB" b="1">
-                <a:sym typeface="+mn-ea"/>
-              </a:rPr>
-              <a:t>Name spacing technique</a:t>
-            </a:r>
-            <a:endParaRPr lang="en-US" altLang="en-GB" b="1">
-              <a:sym typeface="+mn-ea"/>
-            </a:endParaRPr>
-          </a:p>
-          <a:p>
-            <a:pPr marL="457200" lvl="0" indent="-342900" algn="l" rtl="0">
-              <a:spcBef>
-                <a:spcPts val="0"/>
-              </a:spcBef>
-              <a:spcAft>
-                <a:spcPts val="0"/>
-              </a:spcAft>
-              <a:buSzPts val="1800"/>
-              <a:buChar char="+"/>
-            </a:pPr>
-            <a:r>
-              <a:rPr lang="en-US" altLang="en-GB" b="1">
-                <a:sym typeface="+mn-ea"/>
-              </a:rPr>
-              <a:t>It’s not only use for Hardware, It can be also use for software.</a:t>
-            </a:r>
-            <a:endParaRPr lang="en-US" altLang="en-GB" b="1">
-              <a:sym typeface="+mn-ea"/>
-            </a:endParaRPr>
-          </a:p>
-          <a:p>
-            <a:pPr marL="457200" lvl="0" indent="-342900" algn="l" rtl="0">
-              <a:spcBef>
-                <a:spcPts val="0"/>
-              </a:spcBef>
-              <a:spcAft>
-                <a:spcPts val="0"/>
-              </a:spcAft>
-              <a:buSzPts val="1800"/>
-              <a:buChar char="+"/>
-            </a:pPr>
-            <a:r>
-              <a:rPr lang="en-US" altLang="en-GB" b="1">
-                <a:sym typeface="+mn-ea"/>
-              </a:rPr>
-              <a:t>Name spacing and Control groups used to isolate and single process and limit the amount of resources it can be used of.</a:t>
-            </a:r>
-            <a:endParaRPr lang="en-US" altLang="en-GB" b="1">
-              <a:sym typeface="+mn-ea"/>
-            </a:endParaRPr>
-          </a:p>
-          <a:p>
-            <a:pPr marL="457200" lvl="0" indent="-342900" algn="l" rtl="0">
-              <a:spcBef>
-                <a:spcPts val="0"/>
-              </a:spcBef>
-              <a:spcAft>
-                <a:spcPts val="0"/>
-              </a:spcAft>
-              <a:buSzPts val="1800"/>
-              <a:buChar char="+"/>
-            </a:pPr>
-            <a:endParaRPr lang="en-US" b="1">
-              <a:solidFill>
-                <a:srgbClr val="B45F06"/>
-              </a:solidFill>
-            </a:endParaRPr>
-          </a:p>
-        </p:txBody>
-      </p:sp>
-      <p:pic>
-        <p:nvPicPr>
-          <p:cNvPr id="2" name="Picture 1"/>
-          <p:cNvPicPr>
-            <a:picLocks noChangeAspect="1"/>
-          </p:cNvPicPr>
-          <p:nvPr/>
-        </p:nvPicPr>
-        <p:blipFill>
-          <a:blip r:embed="rId1"/>
-          <a:stretch>
-            <a:fillRect/>
-          </a:stretch>
-        </p:blipFill>
-        <p:spPr>
-          <a:xfrm>
-            <a:off x="5189220" y="612775"/>
-            <a:ext cx="3459480" cy="4339590"/>
-          </a:xfrm>
-          <a:prstGeom prst="rect">
-            <a:avLst/>
-          </a:prstGeom>
-        </p:spPr>
-      </p:pic>
-    </p:spTree>
-  </p:cSld>
-  <p:clrMapOvr>
-    <a:masterClrMapping/>
-  </p:clrMapOvr>
-</p:sld>
-</file>
-
-<file path=ppt/slides/slide38.xml><?xml version="1.0" encoding="utf-8"?>
-<p:sld xmlns:a="http://schemas.openxmlformats.org/drawingml/2006/main" xmlns:r="http://schemas.openxmlformats.org/officeDocument/2006/relationships" xmlns:p="http://schemas.openxmlformats.org/presentationml/2006/main">
-  <p:cSld>
-    <p:spTree>
-      <p:nvGrpSpPr>
-        <p:cNvPr id="77" name="Shape 77"/>
-        <p:cNvGrpSpPr/>
-        <p:nvPr/>
-      </p:nvGrpSpPr>
-      <p:grpSpPr>
-        <a:xfrm>
-          <a:off x="0" y="0"/>
-          <a:ext cx="0" cy="0"/>
-          <a:chOff x="0" y="0"/>
-          <a:chExt cx="0" cy="0"/>
-        </a:xfrm>
-      </p:grpSpPr>
-      <p:sp>
-        <p:nvSpPr>
-          <p:cNvPr id="78" name="Google Shape;78;p15"/>
-          <p:cNvSpPr txBox="1"/>
-          <p:nvPr>
-            <p:ph type="title"/>
-          </p:nvPr>
-        </p:nvSpPr>
-        <p:spPr>
-          <a:xfrm>
-            <a:off x="311700" y="123715"/>
-            <a:ext cx="8520600" cy="707400"/>
-          </a:xfrm>
-          <a:prstGeom prst="rect">
-            <a:avLst/>
-          </a:prstGeom>
-        </p:spPr>
-        <p:txBody>
-          <a:bodyPr spcFirstLastPara="1" wrap="square" lIns="91425" tIns="91425" rIns="91425" bIns="91425" anchor="t" anchorCtr="0">
-            <a:normAutofit/>
-          </a:bodyPr>
-          <a:lstStyle/>
-          <a:p>
-            <a:pPr marL="0" lvl="0" indent="0" algn="l" rtl="0">
-              <a:spcBef>
-                <a:spcPts val="0"/>
-              </a:spcBef>
-              <a:spcAft>
-                <a:spcPts val="0"/>
-              </a:spcAft>
-              <a:buSzPts val="990"/>
-              <a:buNone/>
-            </a:pPr>
-            <a:r>
-              <a:rPr lang="en-US" sz="2935">
-                <a:sym typeface="+mn-ea"/>
-              </a:rPr>
-              <a:t>Docker containers</a:t>
-            </a:r>
-            <a:endParaRPr lang="en-US" sz="2940" b="0">
-              <a:solidFill>
-                <a:srgbClr val="3D85C6"/>
-              </a:solidFill>
-            </a:endParaRPr>
-          </a:p>
-        </p:txBody>
-      </p:sp>
-      <p:sp>
-        <p:nvSpPr>
-          <p:cNvPr id="79" name="Google Shape;79;p15"/>
-          <p:cNvSpPr txBox="1"/>
-          <p:nvPr>
-            <p:ph type="body" idx="1"/>
-          </p:nvPr>
-        </p:nvSpPr>
-        <p:spPr>
-          <a:xfrm>
-            <a:off x="311785" y="831215"/>
-            <a:ext cx="8520430" cy="3736975"/>
-          </a:xfrm>
-          <a:prstGeom prst="rect">
-            <a:avLst/>
-          </a:prstGeom>
-        </p:spPr>
-        <p:txBody>
-          <a:bodyPr spcFirstLastPara="1" wrap="square" lIns="91425" tIns="91425" rIns="91425" bIns="91425" anchor="t" anchorCtr="0">
-            <a:normAutofit/>
-          </a:bodyPr>
-          <a:lstStyle/>
-          <a:p>
-            <a:pPr marL="457200" lvl="0" indent="-342900" algn="l" rtl="0">
-              <a:spcBef>
-                <a:spcPts val="0"/>
-              </a:spcBef>
-              <a:spcAft>
-                <a:spcPts val="0"/>
-              </a:spcAft>
-              <a:buSzPts val="1800"/>
-              <a:buChar char="+"/>
-            </a:pPr>
-            <a:r>
-              <a:rPr lang="en-US" altLang="en-GB" b="1">
-                <a:sym typeface="+mn-ea"/>
-              </a:rPr>
-              <a:t>The relationship between image and container and how it work.</a:t>
-            </a:r>
-            <a:endParaRPr lang="en-US" b="1">
-              <a:solidFill>
-                <a:srgbClr val="B45F06"/>
-              </a:solidFill>
-            </a:endParaRPr>
-          </a:p>
-        </p:txBody>
-      </p:sp>
-      <p:pic>
-        <p:nvPicPr>
-          <p:cNvPr id="2" name="Picture 1"/>
-          <p:cNvPicPr>
-            <a:picLocks noChangeAspect="1"/>
-          </p:cNvPicPr>
-          <p:nvPr/>
-        </p:nvPicPr>
-        <p:blipFill>
-          <a:blip r:embed="rId1"/>
-          <a:stretch>
-            <a:fillRect/>
-          </a:stretch>
-        </p:blipFill>
-        <p:spPr>
-          <a:xfrm>
-            <a:off x="633730" y="2126615"/>
-            <a:ext cx="3884930" cy="2550160"/>
-          </a:xfrm>
-          <a:prstGeom prst="rect">
-            <a:avLst/>
-          </a:prstGeom>
-        </p:spPr>
-      </p:pic>
-      <p:pic>
-        <p:nvPicPr>
-          <p:cNvPr id="3" name="Picture 2"/>
-          <p:cNvPicPr>
-            <a:picLocks noChangeAspect="1"/>
-          </p:cNvPicPr>
-          <p:nvPr/>
-        </p:nvPicPr>
-        <p:blipFill>
-          <a:blip r:embed="rId2"/>
-          <a:stretch>
-            <a:fillRect/>
-          </a:stretch>
-        </p:blipFill>
-        <p:spPr>
-          <a:xfrm>
-            <a:off x="4728845" y="2225675"/>
-            <a:ext cx="3710305" cy="2386965"/>
-          </a:xfrm>
-          <a:prstGeom prst="rect">
-            <a:avLst/>
-          </a:prstGeom>
-        </p:spPr>
-      </p:pic>
-    </p:spTree>
-  </p:cSld>
-  <p:clrMapOvr>
-    <a:masterClrMapping/>
-  </p:clrMapOvr>
-</p:sld>
-</file>
-
-<file path=ppt/slides/slide39.xml><?xml version="1.0" encoding="utf-8"?>
-<p:sld xmlns:a="http://schemas.openxmlformats.org/drawingml/2006/main" xmlns:r="http://schemas.openxmlformats.org/officeDocument/2006/relationships" xmlns:p="http://schemas.openxmlformats.org/presentationml/2006/main">
-  <p:cSld>
-    <p:spTree>
-      <p:nvGrpSpPr>
-        <p:cNvPr id="77" name="Shape 77"/>
-        <p:cNvGrpSpPr/>
-        <p:nvPr/>
-      </p:nvGrpSpPr>
-      <p:grpSpPr>
-        <a:xfrm>
-          <a:off x="0" y="0"/>
-          <a:ext cx="0" cy="0"/>
-          <a:chOff x="0" y="0"/>
-          <a:chExt cx="0" cy="0"/>
-        </a:xfrm>
-      </p:grpSpPr>
-      <p:sp>
-        <p:nvSpPr>
-          <p:cNvPr id="78" name="Google Shape;78;p15"/>
-          <p:cNvSpPr txBox="1"/>
-          <p:nvPr>
-            <p:ph type="title"/>
-          </p:nvPr>
-        </p:nvSpPr>
-        <p:spPr>
-          <a:xfrm>
-            <a:off x="311700" y="123715"/>
-            <a:ext cx="8520600" cy="707400"/>
-          </a:xfrm>
-          <a:prstGeom prst="rect">
-            <a:avLst/>
-          </a:prstGeom>
-        </p:spPr>
-        <p:txBody>
-          <a:bodyPr spcFirstLastPara="1" wrap="square" lIns="91425" tIns="91425" rIns="91425" bIns="91425" anchor="t" anchorCtr="0">
-            <a:normAutofit/>
-          </a:bodyPr>
-          <a:lstStyle/>
-          <a:p>
-            <a:pPr marL="0" lvl="0" indent="0" algn="l" rtl="0">
-              <a:spcBef>
-                <a:spcPts val="0"/>
-              </a:spcBef>
-              <a:spcAft>
-                <a:spcPts val="0"/>
-              </a:spcAft>
-              <a:buSzPts val="990"/>
-              <a:buNone/>
-            </a:pPr>
-            <a:r>
-              <a:rPr lang="en-US" sz="2935">
-                <a:sym typeface="+mn-ea"/>
-              </a:rPr>
-              <a:t>Docker containers</a:t>
-            </a:r>
-            <a:endParaRPr lang="en-US" sz="2940" b="0">
-              <a:solidFill>
-                <a:srgbClr val="3D85C6"/>
-              </a:solidFill>
-            </a:endParaRPr>
-          </a:p>
-        </p:txBody>
-      </p:sp>
-      <p:sp>
-        <p:nvSpPr>
-          <p:cNvPr id="79" name="Google Shape;79;p15"/>
-          <p:cNvSpPr txBox="1"/>
-          <p:nvPr>
-            <p:ph type="body" idx="1"/>
-          </p:nvPr>
-        </p:nvSpPr>
-        <p:spPr>
-          <a:xfrm>
-            <a:off x="311785" y="831215"/>
-            <a:ext cx="8520430" cy="3736975"/>
-          </a:xfrm>
-          <a:prstGeom prst="rect">
-            <a:avLst/>
-          </a:prstGeom>
-        </p:spPr>
-        <p:txBody>
-          <a:bodyPr spcFirstLastPara="1" wrap="square" lIns="91425" tIns="91425" rIns="91425" bIns="91425" anchor="t" anchorCtr="0">
-            <a:normAutofit/>
-          </a:bodyPr>
-          <a:lstStyle/>
-          <a:p>
-            <a:pPr marL="457200" lvl="0" indent="-342900" algn="l" rtl="0">
-              <a:spcBef>
-                <a:spcPts val="0"/>
-              </a:spcBef>
-              <a:spcAft>
-                <a:spcPts val="0"/>
-              </a:spcAft>
-              <a:buSzPts val="1800"/>
-              <a:buChar char="+"/>
-            </a:pPr>
-            <a:r>
-              <a:rPr lang="en-US" altLang="en-GB" b="1">
-                <a:sym typeface="+mn-ea"/>
-              </a:rPr>
-              <a:t>The relationship between image and container and how it work.</a:t>
-            </a:r>
-            <a:endParaRPr lang="en-US" b="1">
-              <a:solidFill>
-                <a:srgbClr val="B45F06"/>
-              </a:solidFill>
-            </a:endParaRPr>
-          </a:p>
-        </p:txBody>
-      </p:sp>
-      <p:pic>
-        <p:nvPicPr>
-          <p:cNvPr id="2" name="Picture 1"/>
-          <p:cNvPicPr>
-            <a:picLocks noChangeAspect="1"/>
-          </p:cNvPicPr>
-          <p:nvPr/>
-        </p:nvPicPr>
-        <p:blipFill>
-          <a:blip r:embed="rId1"/>
-          <a:stretch>
-            <a:fillRect/>
-          </a:stretch>
-        </p:blipFill>
-        <p:spPr>
-          <a:xfrm>
-            <a:off x="855345" y="1508125"/>
-            <a:ext cx="6689090" cy="3148330"/>
-          </a:xfrm>
-          <a:prstGeom prst="rect">
-            <a:avLst/>
-          </a:prstGeom>
-        </p:spPr>
-      </p:pic>
     </p:spTree>
   </p:cSld>
   <p:clrMapOvr>
@@ -16707,536 +13521,6 @@
           </a:prstGeom>
         </p:spPr>
       </p:pic>
-    </p:spTree>
-  </p:cSld>
-  <p:clrMapOvr>
-    <a:masterClrMapping/>
-  </p:clrMapOvr>
-</p:sld>
-</file>
-
-<file path=ppt/slides/slide40.xml><?xml version="1.0" encoding="utf-8"?>
-<p:sld xmlns:a="http://schemas.openxmlformats.org/drawingml/2006/main" xmlns:r="http://schemas.openxmlformats.org/officeDocument/2006/relationships" xmlns:p="http://schemas.openxmlformats.org/presentationml/2006/main">
-  <p:cSld>
-    <p:spTree>
-      <p:nvGrpSpPr>
-        <p:cNvPr id="77" name="Shape 77"/>
-        <p:cNvGrpSpPr/>
-        <p:nvPr/>
-      </p:nvGrpSpPr>
-      <p:grpSpPr>
-        <a:xfrm>
-          <a:off x="0" y="0"/>
-          <a:ext cx="0" cy="0"/>
-          <a:chOff x="0" y="0"/>
-          <a:chExt cx="0" cy="0"/>
-        </a:xfrm>
-      </p:grpSpPr>
-      <p:sp>
-        <p:nvSpPr>
-          <p:cNvPr id="78" name="Google Shape;78;p15"/>
-          <p:cNvSpPr txBox="1"/>
-          <p:nvPr>
-            <p:ph type="title"/>
-          </p:nvPr>
-        </p:nvSpPr>
-        <p:spPr>
-          <a:xfrm>
-            <a:off x="311700" y="123715"/>
-            <a:ext cx="8520600" cy="707400"/>
-          </a:xfrm>
-          <a:prstGeom prst="rect">
-            <a:avLst/>
-          </a:prstGeom>
-        </p:spPr>
-        <p:txBody>
-          <a:bodyPr spcFirstLastPara="1" wrap="square" lIns="91425" tIns="91425" rIns="91425" bIns="91425" anchor="t" anchorCtr="0">
-            <a:normAutofit/>
-          </a:bodyPr>
-          <a:lstStyle/>
-          <a:p>
-            <a:pPr marL="0" lvl="0" indent="0" algn="l" rtl="0">
-              <a:spcBef>
-                <a:spcPts val="0"/>
-              </a:spcBef>
-              <a:spcAft>
-                <a:spcPts val="0"/>
-              </a:spcAft>
-              <a:buSzPts val="990"/>
-              <a:buNone/>
-            </a:pPr>
-            <a:r>
-              <a:rPr lang="en-US" sz="2935">
-                <a:sym typeface="+mn-ea"/>
-              </a:rPr>
-              <a:t>Docker containers</a:t>
-            </a:r>
-            <a:endParaRPr lang="en-US" sz="2940" b="0">
-              <a:solidFill>
-                <a:srgbClr val="3D85C6"/>
-              </a:solidFill>
-            </a:endParaRPr>
-          </a:p>
-        </p:txBody>
-      </p:sp>
-      <p:sp>
-        <p:nvSpPr>
-          <p:cNvPr id="79" name="Google Shape;79;p15"/>
-          <p:cNvSpPr txBox="1"/>
-          <p:nvPr>
-            <p:ph type="body" idx="1"/>
-          </p:nvPr>
-        </p:nvSpPr>
-        <p:spPr>
-          <a:xfrm>
-            <a:off x="311785" y="831215"/>
-            <a:ext cx="8520430" cy="3736975"/>
-          </a:xfrm>
-          <a:prstGeom prst="rect">
-            <a:avLst/>
-          </a:prstGeom>
-        </p:spPr>
-        <p:txBody>
-          <a:bodyPr spcFirstLastPara="1" wrap="square" lIns="91425" tIns="91425" rIns="91425" bIns="91425" anchor="t" anchorCtr="0">
-            <a:normAutofit/>
-          </a:bodyPr>
-          <a:lstStyle/>
-          <a:p>
-            <a:pPr marL="457200" lvl="0" indent="-342900" algn="l" rtl="0">
-              <a:spcBef>
-                <a:spcPts val="0"/>
-              </a:spcBef>
-              <a:spcAft>
-                <a:spcPts val="0"/>
-              </a:spcAft>
-              <a:buSzPts val="1800"/>
-              <a:buChar char="+"/>
-            </a:pPr>
-            <a:r>
-              <a:rPr lang="en-US" altLang="en-GB" b="1">
-                <a:sym typeface="+mn-ea"/>
-              </a:rPr>
-              <a:t>The relationship between image and container and how it work.</a:t>
-            </a:r>
-            <a:endParaRPr lang="en-US" b="1">
-              <a:solidFill>
-                <a:srgbClr val="B45F06"/>
-              </a:solidFill>
-            </a:endParaRPr>
-          </a:p>
-        </p:txBody>
-      </p:sp>
-      <p:pic>
-        <p:nvPicPr>
-          <p:cNvPr id="2" name="Picture 1"/>
-          <p:cNvPicPr>
-            <a:picLocks noChangeAspect="1"/>
-          </p:cNvPicPr>
-          <p:nvPr/>
-        </p:nvPicPr>
-        <p:blipFill>
-          <a:blip r:embed="rId1"/>
-          <a:stretch>
-            <a:fillRect/>
-          </a:stretch>
-        </p:blipFill>
-        <p:spPr>
-          <a:xfrm>
-            <a:off x="984885" y="1533525"/>
-            <a:ext cx="6520815" cy="3075305"/>
-          </a:xfrm>
-          <a:prstGeom prst="rect">
-            <a:avLst/>
-          </a:prstGeom>
-        </p:spPr>
-      </p:pic>
-    </p:spTree>
-  </p:cSld>
-  <p:clrMapOvr>
-    <a:masterClrMapping/>
-  </p:clrMapOvr>
-</p:sld>
-</file>
-
-<file path=ppt/slides/slide41.xml><?xml version="1.0" encoding="utf-8"?>
-<p:sld xmlns:a="http://schemas.openxmlformats.org/drawingml/2006/main" xmlns:r="http://schemas.openxmlformats.org/officeDocument/2006/relationships" xmlns:p="http://schemas.openxmlformats.org/presentationml/2006/main">
-  <p:cSld>
-    <p:spTree>
-      <p:nvGrpSpPr>
-        <p:cNvPr id="77" name="Shape 77"/>
-        <p:cNvGrpSpPr/>
-        <p:nvPr/>
-      </p:nvGrpSpPr>
-      <p:grpSpPr>
-        <a:xfrm>
-          <a:off x="0" y="0"/>
-          <a:ext cx="0" cy="0"/>
-          <a:chOff x="0" y="0"/>
-          <a:chExt cx="0" cy="0"/>
-        </a:xfrm>
-      </p:grpSpPr>
-      <p:sp>
-        <p:nvSpPr>
-          <p:cNvPr id="78" name="Google Shape;78;p15"/>
-          <p:cNvSpPr txBox="1"/>
-          <p:nvPr>
-            <p:ph type="title"/>
-          </p:nvPr>
-        </p:nvSpPr>
-        <p:spPr>
-          <a:xfrm>
-            <a:off x="311700" y="123715"/>
-            <a:ext cx="8520600" cy="707400"/>
-          </a:xfrm>
-          <a:prstGeom prst="rect">
-            <a:avLst/>
-          </a:prstGeom>
-        </p:spPr>
-        <p:txBody>
-          <a:bodyPr spcFirstLastPara="1" wrap="square" lIns="91425" tIns="91425" rIns="91425" bIns="91425" anchor="t" anchorCtr="0">
-            <a:normAutofit/>
-          </a:bodyPr>
-          <a:lstStyle/>
-          <a:p>
-            <a:pPr marL="0" lvl="0" indent="0" algn="l" rtl="0">
-              <a:spcBef>
-                <a:spcPts val="0"/>
-              </a:spcBef>
-              <a:spcAft>
-                <a:spcPts val="0"/>
-              </a:spcAft>
-              <a:buSzPts val="990"/>
-              <a:buNone/>
-            </a:pPr>
-            <a:r>
-              <a:rPr lang="en-US" sz="2935">
-                <a:sym typeface="+mn-ea"/>
-              </a:rPr>
-              <a:t>How’s Docker running on your computer</a:t>
-            </a:r>
-            <a:endParaRPr lang="en-US" sz="2940" b="0">
-              <a:solidFill>
-                <a:srgbClr val="3D85C6"/>
-              </a:solidFill>
-            </a:endParaRPr>
-          </a:p>
-        </p:txBody>
-      </p:sp>
-      <p:sp>
-        <p:nvSpPr>
-          <p:cNvPr id="79" name="Google Shape;79;p15"/>
-          <p:cNvSpPr txBox="1"/>
-          <p:nvPr>
-            <p:ph type="body" idx="1"/>
-          </p:nvPr>
-        </p:nvSpPr>
-        <p:spPr>
-          <a:xfrm>
-            <a:off x="311785" y="831215"/>
-            <a:ext cx="8188960" cy="3736975"/>
-          </a:xfrm>
-          <a:prstGeom prst="rect">
-            <a:avLst/>
-          </a:prstGeom>
-        </p:spPr>
-        <p:txBody>
-          <a:bodyPr spcFirstLastPara="1" wrap="square" lIns="91425" tIns="91425" rIns="91425" bIns="91425" anchor="t" anchorCtr="0">
-            <a:normAutofit/>
-          </a:bodyPr>
-          <a:lstStyle/>
-          <a:p>
-            <a:pPr marL="457200" lvl="0" indent="-342900" algn="l" rtl="0">
-              <a:spcBef>
-                <a:spcPts val="0"/>
-              </a:spcBef>
-              <a:spcAft>
-                <a:spcPts val="0"/>
-              </a:spcAft>
-              <a:buSzPts val="1800"/>
-              <a:buChar char="+"/>
-            </a:pPr>
-            <a:r>
-              <a:rPr lang="en-US" altLang="en-GB" b="1">
-                <a:sym typeface="+mn-ea"/>
-              </a:rPr>
-              <a:t>Name spacing and Control groups is not on Windows or Mac, It’s belong to Linux</a:t>
-            </a:r>
-            <a:endParaRPr lang="en-US" b="1">
-              <a:solidFill>
-                <a:srgbClr val="B45F06"/>
-              </a:solidFill>
-            </a:endParaRPr>
-          </a:p>
-        </p:txBody>
-      </p:sp>
-      <p:pic>
-        <p:nvPicPr>
-          <p:cNvPr id="2" name="Picture 1"/>
-          <p:cNvPicPr>
-            <a:picLocks noChangeAspect="1"/>
-          </p:cNvPicPr>
-          <p:nvPr/>
-        </p:nvPicPr>
-        <p:blipFill>
-          <a:blip r:embed="rId1"/>
-          <a:stretch>
-            <a:fillRect/>
-          </a:stretch>
-        </p:blipFill>
-        <p:spPr>
-          <a:xfrm>
-            <a:off x="1546860" y="2322195"/>
-            <a:ext cx="5719445" cy="2518410"/>
-          </a:xfrm>
-          <a:prstGeom prst="rect">
-            <a:avLst/>
-          </a:prstGeom>
-        </p:spPr>
-      </p:pic>
-    </p:spTree>
-  </p:cSld>
-  <p:clrMapOvr>
-    <a:masterClrMapping/>
-  </p:clrMapOvr>
-</p:sld>
-</file>
-
-<file path=ppt/slides/slide42.xml><?xml version="1.0" encoding="utf-8"?>
-<p:sld xmlns:a="http://schemas.openxmlformats.org/drawingml/2006/main" xmlns:r="http://schemas.openxmlformats.org/officeDocument/2006/relationships" xmlns:p="http://schemas.openxmlformats.org/presentationml/2006/main">
-  <p:cSld>
-    <p:spTree>
-      <p:nvGrpSpPr>
-        <p:cNvPr id="77" name="Shape 77"/>
-        <p:cNvGrpSpPr/>
-        <p:nvPr/>
-      </p:nvGrpSpPr>
-      <p:grpSpPr>
-        <a:xfrm>
-          <a:off x="0" y="0"/>
-          <a:ext cx="0" cy="0"/>
-          <a:chOff x="0" y="0"/>
-          <a:chExt cx="0" cy="0"/>
-        </a:xfrm>
-      </p:grpSpPr>
-      <p:sp>
-        <p:nvSpPr>
-          <p:cNvPr id="78" name="Google Shape;78;p15"/>
-          <p:cNvSpPr txBox="1"/>
-          <p:nvPr>
-            <p:ph type="title"/>
-          </p:nvPr>
-        </p:nvSpPr>
-        <p:spPr>
-          <a:xfrm>
-            <a:off x="311700" y="123715"/>
-            <a:ext cx="8520600" cy="707400"/>
-          </a:xfrm>
-          <a:prstGeom prst="rect">
-            <a:avLst/>
-          </a:prstGeom>
-        </p:spPr>
-        <p:txBody>
-          <a:bodyPr spcFirstLastPara="1" wrap="square" lIns="91425" tIns="91425" rIns="91425" bIns="91425" anchor="t" anchorCtr="0">
-            <a:normAutofit/>
-          </a:bodyPr>
-          <a:lstStyle/>
-          <a:p>
-            <a:pPr marL="0" lvl="0" indent="0" algn="l" rtl="0">
-              <a:spcBef>
-                <a:spcPts val="0"/>
-              </a:spcBef>
-              <a:spcAft>
-                <a:spcPts val="0"/>
-              </a:spcAft>
-              <a:buSzPts val="990"/>
-              <a:buNone/>
-            </a:pPr>
-            <a:r>
-              <a:rPr lang="en-US" sz="2935">
-                <a:sym typeface="+mn-ea"/>
-              </a:rPr>
-              <a:t>How’s Docker running on your computer</a:t>
-            </a:r>
-            <a:endParaRPr lang="en-US" sz="2940" b="0">
-              <a:solidFill>
-                <a:srgbClr val="3D85C6"/>
-              </a:solidFill>
-            </a:endParaRPr>
-          </a:p>
-        </p:txBody>
-      </p:sp>
-      <p:sp>
-        <p:nvSpPr>
-          <p:cNvPr id="79" name="Google Shape;79;p15"/>
-          <p:cNvSpPr txBox="1"/>
-          <p:nvPr>
-            <p:ph type="body" idx="1"/>
-          </p:nvPr>
-        </p:nvSpPr>
-        <p:spPr>
-          <a:xfrm>
-            <a:off x="311785" y="831215"/>
-            <a:ext cx="3781425" cy="3736975"/>
-          </a:xfrm>
-          <a:prstGeom prst="rect">
-            <a:avLst/>
-          </a:prstGeom>
-        </p:spPr>
-        <p:txBody>
-          <a:bodyPr spcFirstLastPara="1" wrap="square" lIns="91425" tIns="91425" rIns="91425" bIns="91425" anchor="t" anchorCtr="0">
-            <a:normAutofit/>
-          </a:bodyPr>
-          <a:lstStyle/>
-          <a:p>
-            <a:pPr marL="457200" lvl="0" indent="-342900" algn="l" rtl="0">
-              <a:spcBef>
-                <a:spcPts val="0"/>
-              </a:spcBef>
-              <a:spcAft>
-                <a:spcPts val="0"/>
-              </a:spcAft>
-              <a:buSzPts val="1800"/>
-              <a:buChar char="+"/>
-            </a:pPr>
-            <a:r>
-              <a:rPr lang="en-US" altLang="en-GB" b="1">
-                <a:sym typeface="+mn-ea"/>
-              </a:rPr>
-              <a:t>Name spacing and Control groups is not on Windows or Mac, It’s belong to Linux</a:t>
-            </a:r>
-            <a:endParaRPr lang="en-US" altLang="en-GB" b="1">
-              <a:sym typeface="+mn-ea"/>
-            </a:endParaRPr>
-          </a:p>
-          <a:p>
-            <a:pPr marL="457200" lvl="0" indent="-342900" algn="l" rtl="0">
-              <a:spcBef>
-                <a:spcPts val="0"/>
-              </a:spcBef>
-              <a:spcAft>
-                <a:spcPts val="0"/>
-              </a:spcAft>
-              <a:buSzPts val="1800"/>
-              <a:buChar char="+"/>
-            </a:pPr>
-            <a:r>
-              <a:rPr lang="en-US" altLang="en-GB" b="1">
-                <a:sym typeface="+mn-ea"/>
-              </a:rPr>
-              <a:t>Linux Virtual Machine is host the docker and container to run</a:t>
-            </a:r>
-            <a:endParaRPr lang="en-US" altLang="en-GB" b="1">
-              <a:sym typeface="+mn-ea"/>
-            </a:endParaRPr>
-          </a:p>
-          <a:p>
-            <a:pPr marL="114300" lvl="0" indent="0" algn="l" rtl="0">
-              <a:spcBef>
-                <a:spcPts val="0"/>
-              </a:spcBef>
-              <a:spcAft>
-                <a:spcPts val="0"/>
-              </a:spcAft>
-              <a:buSzPts val="1800"/>
-              <a:buNone/>
-            </a:pPr>
-            <a:endParaRPr lang="en-US" b="1">
-              <a:solidFill>
-                <a:srgbClr val="B45F06"/>
-              </a:solidFill>
-            </a:endParaRPr>
-          </a:p>
-        </p:txBody>
-      </p:sp>
-      <p:pic>
-        <p:nvPicPr>
-          <p:cNvPr id="2" name="Picture 1"/>
-          <p:cNvPicPr>
-            <a:picLocks noChangeAspect="1"/>
-          </p:cNvPicPr>
-          <p:nvPr/>
-        </p:nvPicPr>
-        <p:blipFill>
-          <a:blip r:embed="rId1"/>
-          <a:stretch>
-            <a:fillRect/>
-          </a:stretch>
-        </p:blipFill>
-        <p:spPr>
-          <a:xfrm>
-            <a:off x="4355465" y="908050"/>
-            <a:ext cx="4344670" cy="3787140"/>
-          </a:xfrm>
-          <a:prstGeom prst="rect">
-            <a:avLst/>
-          </a:prstGeom>
-        </p:spPr>
-      </p:pic>
-    </p:spTree>
-  </p:cSld>
-  <p:clrMapOvr>
-    <a:masterClrMapping/>
-  </p:clrMapOvr>
-</p:sld>
-</file>
-
-<file path=ppt/slides/slide43.xml><?xml version="1.0" encoding="utf-8"?>
-<p:sld xmlns:a="http://schemas.openxmlformats.org/drawingml/2006/main" xmlns:r="http://schemas.openxmlformats.org/officeDocument/2006/relationships" xmlns:p="http://schemas.openxmlformats.org/presentationml/2006/main">
-  <p:cSld>
-    <p:spTree>
-      <p:nvGrpSpPr>
-        <p:cNvPr id="450" name="Shape 450"/>
-        <p:cNvGrpSpPr/>
-        <p:nvPr/>
-      </p:nvGrpSpPr>
-      <p:grpSpPr>
-        <a:xfrm>
-          <a:off x="0" y="0"/>
-          <a:ext cx="0" cy="0"/>
-          <a:chOff x="0" y="0"/>
-          <a:chExt cx="0" cy="0"/>
-        </a:xfrm>
-      </p:grpSpPr>
-      <p:sp>
-        <p:nvSpPr>
-          <p:cNvPr id="451" name="Google Shape;451;p61"/>
-          <p:cNvSpPr txBox="1"/>
-          <p:nvPr>
-            <p:ph type="title"/>
-          </p:nvPr>
-        </p:nvSpPr>
-        <p:spPr>
-          <a:xfrm>
-            <a:off x="311700" y="814800"/>
-            <a:ext cx="8571300" cy="942000"/>
-          </a:xfrm>
-          <a:prstGeom prst="rect">
-            <a:avLst/>
-          </a:prstGeom>
-        </p:spPr>
-        <p:txBody>
-          <a:bodyPr spcFirstLastPara="1" wrap="square" lIns="91425" tIns="91425" rIns="91425" bIns="91425" anchor="ctr" anchorCtr="0">
-            <a:normAutofit/>
-          </a:bodyPr>
-          <a:lstStyle/>
-          <a:p>
-            <a:pPr marL="0" lvl="0" indent="0" algn="ctr" rtl="0">
-              <a:spcBef>
-                <a:spcPts val="0"/>
-              </a:spcBef>
-              <a:spcAft>
-                <a:spcPts val="0"/>
-              </a:spcAft>
-              <a:buNone/>
-            </a:pPr>
-            <a:r>
-              <a:rPr lang="en-GB"/>
-              <a:t>THANKS FOR LISTENING</a:t>
-            </a:r>
-            <a:endParaRPr lang="en-GB"/>
-          </a:p>
-        </p:txBody>
-      </p:sp>
     </p:spTree>
   </p:cSld>
   <p:clrMapOvr>
